--- a/warner-itt-dsc.pptx
+++ b/warner-itt-dsc.pptx
@@ -5,10 +5,10 @@
     <p:sldMasterId id="2147483648" r:id="rId4"/>
   </p:sldMasterIdLst>
   <p:notesMasterIdLst>
-    <p:notesMasterId r:id="rId27"/>
+    <p:notesMasterId r:id="rId28"/>
   </p:notesMasterIdLst>
   <p:handoutMasterIdLst>
-    <p:handoutMasterId r:id="rId28"/>
+    <p:handoutMasterId r:id="rId29"/>
   </p:handoutMasterIdLst>
   <p:sldIdLst>
     <p:sldId id="463" r:id="rId5"/>
@@ -30,9 +30,10 @@
     <p:sldId id="473" r:id="rId21"/>
     <p:sldId id="486" r:id="rId22"/>
     <p:sldId id="474" r:id="rId23"/>
-    <p:sldId id="485" r:id="rId24"/>
-    <p:sldId id="464" r:id="rId25"/>
-    <p:sldId id="466" r:id="rId26"/>
+    <p:sldId id="487" r:id="rId24"/>
+    <p:sldId id="485" r:id="rId25"/>
+    <p:sldId id="464" r:id="rId26"/>
+    <p:sldId id="466" r:id="rId27"/>
   </p:sldIdLst>
   <p:sldSz cx="9144000" cy="5143500" type="screen16x9"/>
   <p:notesSz cx="7315200" cy="9601200"/>
@@ -185,6 +186,7 @@
             <p14:sldId id="473"/>
             <p14:sldId id="486"/>
             <p14:sldId id="474"/>
+            <p14:sldId id="487"/>
             <p14:sldId id="485"/>
             <p14:sldId id="464"/>
             <p14:sldId id="466"/>
@@ -4468,7 +4470,7 @@
     <mc:Choice Requires="p14">
       <p:transition p14:dur="0"/>
     </mc:Choice>
-    <mc:Fallback xmlns="" xmlns:mv="urn:schemas-microsoft-com:mac:vml">
+    <mc:Fallback xmlns:mv="urn:schemas-microsoft-com:mac:vml" xmlns="">
       <mp:transition xmlns:mp="http://schemas.microsoft.com/office/mac/powerpoint/2008/main"/>
     </mc:Fallback>
   </mc:AlternateContent>
@@ -9103,6 +9105,122 @@
           <a:chExt cx="0" cy="0"/>
         </a:xfrm>
       </p:grpSpPr>
+      <p:sp>
+        <p:nvSpPr>
+          <p:cNvPr id="3" name="Title 2"/>
+          <p:cNvSpPr>
+            <a:spLocks noGrp="1"/>
+          </p:cNvSpPr>
+          <p:nvPr>
+            <p:ph type="title"/>
+          </p:nvPr>
+        </p:nvSpPr>
+        <p:spPr/>
+        <p:txBody>
+          <a:bodyPr/>
+          <a:lstStyle/>
+          <a:p>
+            <a:r>
+              <a:rPr lang="en-US" dirty="0">
+                <a:solidFill>
+                  <a:schemeClr val="accent1"/>
+                </a:solidFill>
+                <a:latin typeface="Calibri"/>
+              </a:rPr>
+              <a:t>Troubleshooting</a:t>
+            </a:r>
+            <a:r>
+              <a:rPr lang="en-US" dirty="0"/>
+              <a:t> </a:t>
+            </a:r>
+            <a:r>
+              <a:rPr lang="en-US" dirty="0">
+                <a:solidFill>
+                  <a:schemeClr val="accent1"/>
+                </a:solidFill>
+                <a:latin typeface="Calibri"/>
+              </a:rPr>
+              <a:t>DSC:</a:t>
+            </a:r>
+            <a:r>
+              <a:rPr lang="en-US" dirty="0"/>
+              <a:t> </a:t>
+            </a:r>
+            <a:r>
+              <a:rPr lang="en-US" dirty="0">
+                <a:solidFill>
+                  <a:schemeClr val="accent1"/>
+                </a:solidFill>
+                <a:latin typeface="Calibri"/>
+              </a:rPr>
+              <a:t>Jump</a:t>
+            </a:r>
+            <a:r>
+              <a:rPr lang="en-US" dirty="0"/>
+              <a:t> </a:t>
+            </a:r>
+            <a:r>
+              <a:rPr lang="en-US" dirty="0">
+                <a:solidFill>
+                  <a:schemeClr val="accent1"/>
+                </a:solidFill>
+                <a:latin typeface="Calibri"/>
+              </a:rPr>
+              <a:t>Start</a:t>
+            </a:r>
+          </a:p>
+        </p:txBody>
+      </p:sp>
+      <p:sp>
+        <p:nvSpPr>
+          <p:cNvPr id="4" name="Text Placeholder 3"/>
+          <p:cNvSpPr>
+            <a:spLocks noGrp="1"/>
+          </p:cNvSpPr>
+          <p:nvPr>
+            <p:ph type="body" idx="1"/>
+          </p:nvPr>
+        </p:nvSpPr>
+        <p:spPr/>
+        <p:txBody>
+          <a:bodyPr/>
+          <a:lstStyle/>
+          <a:p>
+            <a:endParaRPr lang="en-US" dirty="0"/>
+          </a:p>
+        </p:txBody>
+      </p:sp>
+    </p:spTree>
+    <p:extLst>
+      <p:ext uri="{BB962C8B-B14F-4D97-AF65-F5344CB8AC3E}">
+        <p14:creationId xmlns:p14="http://schemas.microsoft.com/office/powerpoint/2010/main" val="155726674"/>
+      </p:ext>
+    </p:extLst>
+  </p:cSld>
+  <p:clrMapOvr>
+    <a:masterClrMapping/>
+  </p:clrMapOvr>
+  <p:transition/>
+</p:sld>
+</file>
+
+<file path=ppt/slides/slide21.xml><?xml version="1.0" encoding="utf-8"?>
+<p:sld xmlns:a="http://schemas.openxmlformats.org/drawingml/2006/main" xmlns:r="http://schemas.openxmlformats.org/officeDocument/2006/relationships" xmlns:p="http://schemas.openxmlformats.org/presentationml/2006/main">
+  <p:cSld>
+    <p:spTree>
+      <p:nvGrpSpPr>
+        <p:cNvPr id="1" name=""/>
+        <p:cNvGrpSpPr/>
+        <p:nvPr/>
+      </p:nvGrpSpPr>
+      <p:grpSpPr>
+        <a:xfrm>
+          <a:off x="0" y="0"/>
+          <a:ext cx="0" cy="0"/>
+          <a:chOff x="0" y="0"/>
+          <a:chExt cx="0" cy="0"/>
+        </a:xfrm>
+      </p:grpSpPr>
       <p:pic>
         <p:nvPicPr>
           <p:cNvPr id="9" name="Picture 8"/>
@@ -9256,7 +9374,7 @@
 </p:sld>
 </file>
 
-<file path=ppt/slides/slide21.xml><?xml version="1.0" encoding="utf-8"?>
+<file path=ppt/slides/slide22.xml><?xml version="1.0" encoding="utf-8"?>
 <p:sld xmlns:a="http://schemas.openxmlformats.org/drawingml/2006/main" xmlns:r="http://schemas.openxmlformats.org/officeDocument/2006/relationships" xmlns:p="http://schemas.openxmlformats.org/presentationml/2006/main">
   <p:cSld>
     <p:spTree>
@@ -9591,7 +9709,7 @@
 </p:sld>
 </file>
 
-<file path=ppt/slides/slide22.xml><?xml version="1.0" encoding="utf-8"?>
+<file path=ppt/slides/slide23.xml><?xml version="1.0" encoding="utf-8"?>
 <p:sld xmlns:a="http://schemas.openxmlformats.org/drawingml/2006/main" xmlns:r="http://schemas.openxmlformats.org/officeDocument/2006/relationships" xmlns:p="http://schemas.openxmlformats.org/presentationml/2006/main">
   <p:cSld>
     <p:spTree>
@@ -13952,18 +14070,18 @@
 </file>
 
 <file path=customXml/item1.xml><?xml version="1.0" encoding="utf-8"?>
+<p:properties xmlns:p="http://schemas.microsoft.com/office/2006/metadata/properties" xmlns:xsi="http://www.w3.org/2001/XMLSchema-instance">
+  <documentManagement/>
+</p:properties>
+</file>
+
+<file path=customXml/item2.xml><?xml version="1.0" encoding="utf-8"?>
 <?mso-contentType ?>
 <FormTemplates xmlns="http://schemas.microsoft.com/sharepoint/v3/contenttype/forms">
   <Display>DocumentLibraryForm</Display>
   <Edit>DocumentLibraryForm</Edit>
   <New>DocumentLibraryForm</New>
 </FormTemplates>
-</file>
-
-<file path=customXml/item2.xml><?xml version="1.0" encoding="utf-8"?>
-<p:properties xmlns:p="http://schemas.microsoft.com/office/2006/metadata/properties" xmlns:xsi="http://www.w3.org/2001/XMLSchema-instance">
-  <documentManagement/>
-</p:properties>
 </file>
 
 <file path=customXml/item3.xml><?xml version="1.0" encoding="utf-8"?>
@@ -14016,14 +14134,6 @@
 </file>
 
 <file path=customXml/itemProps1.xml><?xml version="1.0" encoding="utf-8"?>
-<ds:datastoreItem xmlns:ds="http://schemas.openxmlformats.org/officeDocument/2006/customXml" ds:itemID="{1685463B-57CE-4CE4-B1CF-FE44EB79BFA3}">
-  <ds:schemaRefs>
-    <ds:schemaRef ds:uri="http://schemas.microsoft.com/sharepoint/v3/contenttype/forms"/>
-  </ds:schemaRefs>
-</ds:datastoreItem>
-</file>
-
-<file path=customXml/itemProps2.xml><?xml version="1.0" encoding="utf-8"?>
 <ds:datastoreItem xmlns:ds="http://schemas.openxmlformats.org/officeDocument/2006/customXml" ds:itemID="{2D498799-B0FC-4B7A-8396-BFC34D805990}">
   <ds:schemaRefs>
     <ds:schemaRef ds:uri="http://purl.org/dc/elements/1.1/"/>
@@ -14033,6 +14143,14 @@
     <ds:schemaRef ds:uri="http://schemas.microsoft.com/office/2006/documentManagement/types"/>
     <ds:schemaRef ds:uri="http://www.w3.org/XML/1998/namespace"/>
     <ds:schemaRef ds:uri="http://purl.org/dc/dcmitype/"/>
+  </ds:schemaRefs>
+</ds:datastoreItem>
+</file>
+
+<file path=customXml/itemProps2.xml><?xml version="1.0" encoding="utf-8"?>
+<ds:datastoreItem xmlns:ds="http://schemas.openxmlformats.org/officeDocument/2006/customXml" ds:itemID="{1685463B-57CE-4CE4-B1CF-FE44EB79BFA3}">
+  <ds:schemaRefs>
+    <ds:schemaRef ds:uri="http://schemas.microsoft.com/sharepoint/v3/contenttype/forms"/>
   </ds:schemaRefs>
 </ds:datastoreItem>
 </file>

--- a/warner-itt-dsc.pptx
+++ b/warner-itt-dsc.pptx
@@ -5,10 +5,10 @@
     <p:sldMasterId id="2147483648" r:id="rId4"/>
   </p:sldMasterIdLst>
   <p:notesMasterIdLst>
-    <p:notesMasterId r:id="rId28"/>
+    <p:notesMasterId r:id="rId33"/>
   </p:notesMasterIdLst>
   <p:handoutMasterIdLst>
-    <p:handoutMasterId r:id="rId29"/>
+    <p:handoutMasterId r:id="rId34"/>
   </p:handoutMasterIdLst>
   <p:sldIdLst>
     <p:sldId id="463" r:id="rId5"/>
@@ -19,21 +19,26 @@
     <p:sldId id="477" r:id="rId10"/>
     <p:sldId id="479" r:id="rId11"/>
     <p:sldId id="475" r:id="rId12"/>
-    <p:sldId id="470" r:id="rId13"/>
-    <p:sldId id="478" r:id="rId14"/>
-    <p:sldId id="480" r:id="rId15"/>
-    <p:sldId id="471" r:id="rId16"/>
-    <p:sldId id="481" r:id="rId17"/>
-    <p:sldId id="484" r:id="rId18"/>
-    <p:sldId id="482" r:id="rId19"/>
-    <p:sldId id="483" r:id="rId20"/>
-    <p:sldId id="473" r:id="rId21"/>
-    <p:sldId id="486" r:id="rId22"/>
-    <p:sldId id="474" r:id="rId23"/>
-    <p:sldId id="487" r:id="rId24"/>
-    <p:sldId id="485" r:id="rId25"/>
-    <p:sldId id="464" r:id="rId26"/>
-    <p:sldId id="466" r:id="rId27"/>
+    <p:sldId id="491" r:id="rId13"/>
+    <p:sldId id="470" r:id="rId14"/>
+    <p:sldId id="478" r:id="rId15"/>
+    <p:sldId id="480" r:id="rId16"/>
+    <p:sldId id="471" r:id="rId17"/>
+    <p:sldId id="481" r:id="rId18"/>
+    <p:sldId id="484" r:id="rId19"/>
+    <p:sldId id="482" r:id="rId20"/>
+    <p:sldId id="483" r:id="rId21"/>
+    <p:sldId id="473" r:id="rId22"/>
+    <p:sldId id="486" r:id="rId23"/>
+    <p:sldId id="474" r:id="rId24"/>
+    <p:sldId id="490" r:id="rId25"/>
+    <p:sldId id="489" r:id="rId26"/>
+    <p:sldId id="487" r:id="rId27"/>
+    <p:sldId id="492" r:id="rId28"/>
+    <p:sldId id="488" r:id="rId29"/>
+    <p:sldId id="485" r:id="rId30"/>
+    <p:sldId id="464" r:id="rId31"/>
+    <p:sldId id="466" r:id="rId32"/>
   </p:sldIdLst>
   <p:sldSz cx="9144000" cy="5143500" type="screen16x9"/>
   <p:notesSz cx="7315200" cy="9601200"/>
@@ -175,6 +180,7 @@
             <p14:sldId id="477"/>
             <p14:sldId id="479"/>
             <p14:sldId id="475"/>
+            <p14:sldId id="491"/>
             <p14:sldId id="470"/>
             <p14:sldId id="478"/>
             <p14:sldId id="480"/>
@@ -186,7 +192,11 @@
             <p14:sldId id="473"/>
             <p14:sldId id="486"/>
             <p14:sldId id="474"/>
+            <p14:sldId id="490"/>
+            <p14:sldId id="489"/>
             <p14:sldId id="487"/>
+            <p14:sldId id="492"/>
+            <p14:sldId id="488"/>
             <p14:sldId id="485"/>
             <p14:sldId id="464"/>
             <p14:sldId id="466"/>
@@ -1397,6 +1407,287 @@
 </p:sldLayout>
 </file>
 
+<file path=ppt/slideLayouts/slideLayout11.xml><?xml version="1.0" encoding="utf-8"?>
+<p:sldLayout xmlns:a="http://schemas.openxmlformats.org/drawingml/2006/main" xmlns:r="http://schemas.openxmlformats.org/officeDocument/2006/relationships" xmlns:p="http://schemas.openxmlformats.org/presentationml/2006/main" userDrawn="1">
+  <p:cSld name="Comparision">
+    <p:spTree>
+      <p:nvGrpSpPr>
+        <p:cNvPr id="1" name=""/>
+        <p:cNvGrpSpPr/>
+        <p:nvPr/>
+      </p:nvGrpSpPr>
+      <p:grpSpPr>
+        <a:xfrm>
+          <a:off x="0" y="0"/>
+          <a:ext cx="0" cy="0"/>
+          <a:chOff x="0" y="0"/>
+          <a:chExt cx="0" cy="0"/>
+        </a:xfrm>
+      </p:grpSpPr>
+      <p:cxnSp>
+        <p:nvCxnSpPr>
+          <p:cNvPr id="10" name="Straight Connector 9"/>
+          <p:cNvCxnSpPr/>
+          <p:nvPr userDrawn="1"/>
+        </p:nvCxnSpPr>
+        <p:spPr>
+          <a:xfrm>
+            <a:off x="4572000" y="1321594"/>
+            <a:ext cx="0" cy="3484109"/>
+          </a:xfrm>
+          <a:prstGeom prst="line">
+            <a:avLst/>
+          </a:prstGeom>
+          <a:ln>
+            <a:solidFill>
+              <a:schemeClr val="accent1"/>
+            </a:solidFill>
+            <a:headEnd type="none"/>
+            <a:tailEnd type="none"/>
+          </a:ln>
+          <a:effectLst/>
+        </p:spPr>
+        <p:style>
+          <a:lnRef idx="2">
+            <a:schemeClr val="accent1"/>
+          </a:lnRef>
+          <a:fillRef idx="0">
+            <a:schemeClr val="accent1"/>
+          </a:fillRef>
+          <a:effectRef idx="1">
+            <a:schemeClr val="accent1"/>
+          </a:effectRef>
+          <a:fontRef idx="minor">
+            <a:schemeClr val="tx1"/>
+          </a:fontRef>
+        </p:style>
+      </p:cxnSp>
+      <p:sp>
+        <p:nvSpPr>
+          <p:cNvPr id="7" name="Text Placeholder 6"/>
+          <p:cNvSpPr>
+            <a:spLocks noGrp="1"/>
+          </p:cNvSpPr>
+          <p:nvPr>
+            <p:ph type="body" sz="quarter" idx="10" hasCustomPrompt="1"/>
+          </p:nvPr>
+        </p:nvSpPr>
+        <p:spPr>
+          <a:xfrm>
+            <a:off x="529889" y="1321593"/>
+            <a:ext cx="3864312" cy="328613"/>
+          </a:xfrm>
+        </p:spPr>
+        <p:txBody>
+          <a:bodyPr/>
+          <a:lstStyle>
+            <a:lvl1pPr algn="r">
+              <a:defRPr baseline="0">
+                <a:solidFill>
+                  <a:schemeClr val="accent1"/>
+                </a:solidFill>
+                <a:latin typeface="+mn-lt"/>
+              </a:defRPr>
+            </a:lvl1pPr>
+          </a:lstStyle>
+          <a:p>
+            <a:pPr lvl="0"/>
+            <a:r>
+              <a:rPr lang="en-US" dirty="0"/>
+              <a:t>Compare item one</a:t>
+            </a:r>
+          </a:p>
+        </p:txBody>
+      </p:sp>
+      <p:sp>
+        <p:nvSpPr>
+          <p:cNvPr id="16" name="Text Placeholder 3"/>
+          <p:cNvSpPr>
+            <a:spLocks noGrp="1"/>
+          </p:cNvSpPr>
+          <p:nvPr>
+            <p:ph type="body" sz="quarter" idx="15" hasCustomPrompt="1"/>
+          </p:nvPr>
+        </p:nvSpPr>
+        <p:spPr>
+          <a:xfrm>
+            <a:off x="529889" y="1821657"/>
+            <a:ext cx="3864313" cy="2984046"/>
+          </a:xfrm>
+        </p:spPr>
+        <p:txBody>
+          <a:bodyPr/>
+          <a:lstStyle>
+            <a:lvl1pPr marL="0" indent="0" algn="r">
+              <a:lnSpc>
+                <a:spcPct val="90000"/>
+              </a:lnSpc>
+              <a:buNone/>
+              <a:defRPr sz="1500" b="0" i="0">
+                <a:latin typeface="+mn-lt"/>
+                <a:ea typeface="Gotham Book" panose="02000604040000020004" pitchFamily="50" charset="0"/>
+                <a:cs typeface="Gotham Book" panose="02000604040000020004" pitchFamily="50" charset="0"/>
+              </a:defRPr>
+            </a:lvl1pPr>
+          </a:lstStyle>
+          <a:p>
+            <a:pPr lvl="0"/>
+            <a:r>
+              <a:rPr lang="en-US" dirty="0"/>
+              <a:t>Click to add text</a:t>
+            </a:r>
+          </a:p>
+        </p:txBody>
+      </p:sp>
+      <p:sp>
+        <p:nvSpPr>
+          <p:cNvPr id="17" name="Text Placeholder 6"/>
+          <p:cNvSpPr>
+            <a:spLocks noGrp="1"/>
+          </p:cNvSpPr>
+          <p:nvPr>
+            <p:ph type="body" sz="quarter" idx="16" hasCustomPrompt="1"/>
+          </p:nvPr>
+        </p:nvSpPr>
+        <p:spPr>
+          <a:xfrm>
+            <a:off x="4749800" y="1321593"/>
+            <a:ext cx="3864316" cy="328613"/>
+          </a:xfrm>
+        </p:spPr>
+        <p:txBody>
+          <a:bodyPr/>
+          <a:lstStyle>
+            <a:lvl1pPr algn="l">
+              <a:defRPr baseline="0">
+                <a:solidFill>
+                  <a:schemeClr val="accent1"/>
+                </a:solidFill>
+                <a:latin typeface="+mn-lt"/>
+              </a:defRPr>
+            </a:lvl1pPr>
+          </a:lstStyle>
+          <a:p>
+            <a:pPr lvl="0"/>
+            <a:r>
+              <a:rPr lang="en-US" dirty="0"/>
+              <a:t>Compare item two</a:t>
+            </a:r>
+          </a:p>
+        </p:txBody>
+      </p:sp>
+      <p:sp>
+        <p:nvSpPr>
+          <p:cNvPr id="18" name="Text Placeholder 3"/>
+          <p:cNvSpPr>
+            <a:spLocks noGrp="1"/>
+          </p:cNvSpPr>
+          <p:nvPr>
+            <p:ph type="body" sz="quarter" idx="17" hasCustomPrompt="1"/>
+          </p:nvPr>
+        </p:nvSpPr>
+        <p:spPr>
+          <a:xfrm>
+            <a:off x="4749799" y="1821657"/>
+            <a:ext cx="3864317" cy="2984046"/>
+          </a:xfrm>
+        </p:spPr>
+        <p:txBody>
+          <a:bodyPr/>
+          <a:lstStyle>
+            <a:lvl1pPr marL="0" indent="0" algn="l">
+              <a:lnSpc>
+                <a:spcPct val="90000"/>
+              </a:lnSpc>
+              <a:buNone/>
+              <a:defRPr sz="1500" b="0" i="0">
+                <a:latin typeface="+mn-lt"/>
+                <a:ea typeface="Gotham Book" panose="02000604040000020004" pitchFamily="50" charset="0"/>
+                <a:cs typeface="Gotham Book" panose="02000604040000020004" pitchFamily="50" charset="0"/>
+              </a:defRPr>
+            </a:lvl1pPr>
+          </a:lstStyle>
+          <a:p>
+            <a:pPr lvl="0"/>
+            <a:r>
+              <a:rPr lang="en-US" dirty="0"/>
+              <a:t>Click to add text</a:t>
+            </a:r>
+          </a:p>
+        </p:txBody>
+      </p:sp>
+      <p:sp>
+        <p:nvSpPr>
+          <p:cNvPr id="12" name="Title Placeholder 1"/>
+          <p:cNvSpPr>
+            <a:spLocks noGrp="1"/>
+          </p:cNvSpPr>
+          <p:nvPr>
+            <p:ph type="title" hasCustomPrompt="1"/>
+          </p:nvPr>
+        </p:nvSpPr>
+        <p:spPr>
+          <a:xfrm>
+            <a:off x="529889" y="441294"/>
+            <a:ext cx="8084228" cy="327848"/>
+          </a:xfrm>
+          <a:prstGeom prst="rect">
+            <a:avLst/>
+          </a:prstGeom>
+        </p:spPr>
+        <p:txBody>
+          <a:bodyPr vert="horz" lIns="0" tIns="43960" rIns="87919" bIns="43960" rtlCol="0" anchor="t" anchorCtr="0">
+            <a:noAutofit/>
+          </a:bodyPr>
+          <a:lstStyle>
+            <a:lvl1pPr algn="ctr">
+              <a:defRPr baseline="0">
+                <a:latin typeface="+mj-lt"/>
+              </a:defRPr>
+            </a:lvl1pPr>
+          </a:lstStyle>
+          <a:p>
+            <a:r>
+              <a:rPr lang="en-US" dirty="0"/>
+              <a:t>Click to Add Slide Title in </a:t>
+            </a:r>
+            <a:r>
+              <a:rPr lang="en-US" dirty="0" err="1"/>
+              <a:t>Titlecase</a:t>
+            </a:r>
+            <a:endParaRPr lang="en-US" dirty="0"/>
+          </a:p>
+        </p:txBody>
+      </p:sp>
+    </p:spTree>
+    <p:extLst>
+      <p:ext uri="{BB962C8B-B14F-4D97-AF65-F5344CB8AC3E}">
+        <p14:creationId xmlns:p14="http://schemas.microsoft.com/office/powerpoint/2010/main" val="899665548"/>
+      </p:ext>
+    </p:extLst>
+  </p:cSld>
+  <p:clrMapOvr>
+    <a:masterClrMapping/>
+  </p:clrMapOvr>
+  <p:extLst mod="1">
+    <p:ext uri="{DCECCB84-F9BA-43D5-87BE-67443E8EF086}">
+      <p15:sldGuideLst xmlns:p15="http://schemas.microsoft.com/office/powerpoint/2012/main">
+        <p15:guide id="1" orient="horz" pos="2160">
+          <p15:clr>
+            <a:srgbClr val="FBAE40"/>
+          </p15:clr>
+        </p15:guide>
+        <p15:guide id="2" pos="3840">
+          <p15:clr>
+            <a:srgbClr val="FBAE40"/>
+          </p15:clr>
+        </p15:guide>
+      </p15:sldGuideLst>
+    </p:ext>
+  </p:extLst>
+</p:sldLayout>
+</file>
+
 <file path=ppt/slideLayouts/slideLayout2.xml><?xml version="1.0" encoding="utf-8"?>
 <p:sldLayout xmlns:a="http://schemas.openxmlformats.org/drawingml/2006/main" xmlns:r="http://schemas.openxmlformats.org/officeDocument/2006/relationships" xmlns:p="http://schemas.openxmlformats.org/presentationml/2006/main" type="tx" preserve="1">
   <p:cSld name="Title and Text">
@@ -1690,7 +1981,6 @@
   <p:transition>
     <p:fade/>
   </p:transition>
-  <p:hf sldNum="0" hdr="0" ftr="0" dt="0"/>
 </p:sldLayout>
 </file>
 
@@ -3283,6 +3573,7 @@
     <a:masterClrMapping/>
   </p:clrMapOvr>
   <p:transition/>
+  <p:hf hdr="0" dt="0"/>
 </p:sldLayout>
 </file>
 
@@ -3802,6 +4093,66 @@
           </a:p>
         </p:txBody>
       </p:sp>
+      <p:sp>
+        <p:nvSpPr>
+          <p:cNvPr id="4" name="TextBox 3"/>
+          <p:cNvSpPr txBox="1"/>
+          <p:nvPr userDrawn="1"/>
+        </p:nvSpPr>
+        <p:spPr bwMode="auto">
+          <a:xfrm>
+            <a:off x="0" y="4774168"/>
+            <a:ext cx="9144000" cy="307777"/>
+          </a:xfrm>
+          <a:prstGeom prst="rect">
+            <a:avLst/>
+          </a:prstGeom>
+          <a:noFill/>
+          <a:ln w="9525">
+            <a:noFill/>
+            <a:miter lim="800000"/>
+            <a:headEnd/>
+            <a:tailEnd/>
+          </a:ln>
+        </p:spPr>
+        <p:txBody>
+          <a:bodyPr wrap="square" rtlCol="0">
+            <a:spAutoFit/>
+          </a:bodyPr>
+          <a:lstStyle/>
+          <a:p>
+            <a:pPr algn="ctr"/>
+            <a:r>
+              <a:rPr lang="en-US" sz="1400" dirty="0">
+                <a:solidFill>
+                  <a:srgbClr val="002060"/>
+                </a:solidFill>
+                <a:latin typeface="Tekton Pro" pitchFamily="34" charset="0"/>
+              </a:rPr>
+              <a:t>Slide </a:t>
+            </a:r>
+            <a:fld id="{60395D3C-9973-491C-82B8-DB429401E9F8}" type="slidenum">
+              <a:rPr lang="en-US" sz="1400" smtClean="0">
+                <a:solidFill>
+                  <a:srgbClr val="002060"/>
+                </a:solidFill>
+                <a:latin typeface="Tekton Pro" pitchFamily="34" charset="0"/>
+              </a:rPr>
+              <a:pPr algn="ctr"/>
+              <a:t>‹#›</a:t>
+            </a:fld>
+            <a:r>
+              <a:rPr lang="en-US" sz="1400" dirty="0">
+                <a:solidFill>
+                  <a:srgbClr val="002060"/>
+                </a:solidFill>
+                <a:latin typeface="Tekton Pro" pitchFamily="34" charset="0"/>
+              </a:rPr>
+              <a:t> of 28</a:t>
+            </a:r>
+          </a:p>
+        </p:txBody>
+      </p:sp>
     </p:spTree>
     <p:extLst>
       <p:ext uri="{BB962C8B-B14F-4D97-AF65-F5344CB8AC3E}">
@@ -3821,6 +4172,7 @@
     <p:sldLayoutId id="2147483656" r:id="rId8"/>
     <p:sldLayoutId id="2147483657" r:id="rId9"/>
     <p:sldLayoutId id="2147483658" r:id="rId10"/>
+    <p:sldLayoutId id="2147483659" r:id="rId11"/>
   </p:sldLayoutIdLst>
   <p:transition>
     <p:fade/>
@@ -4470,7 +4822,7 @@
     <mc:Choice Requires="p14">
       <p:transition p14:dur="0"/>
     </mc:Choice>
-    <mc:Fallback xmlns:mv="urn:schemas-microsoft-com:mac:vml" xmlns="">
+    <mc:Fallback xmlns="" xmlns:mv="urn:schemas-microsoft-com:mac:vml">
       <mp:transition xmlns:mp="http://schemas.microsoft.com/office/mac/powerpoint/2008/main"/>
     </mc:Fallback>
   </mc:AlternateContent>
@@ -4478,6 +4830,58 @@
 </file>
 
 <file path=ppt/slides/slide10.xml><?xml version="1.0" encoding="utf-8"?>
+<p:sld xmlns:a="http://schemas.openxmlformats.org/drawingml/2006/main" xmlns:r="http://schemas.openxmlformats.org/officeDocument/2006/relationships" xmlns:p="http://schemas.openxmlformats.org/presentationml/2006/main">
+  <p:cSld>
+    <p:spTree>
+      <p:nvGrpSpPr>
+        <p:cNvPr id="1" name=""/>
+        <p:cNvGrpSpPr/>
+        <p:nvPr/>
+      </p:nvGrpSpPr>
+      <p:grpSpPr>
+        <a:xfrm>
+          <a:off x="0" y="0"/>
+          <a:ext cx="0" cy="0"/>
+          <a:chOff x="0" y="0"/>
+          <a:chExt cx="0" cy="0"/>
+        </a:xfrm>
+      </p:grpSpPr>
+      <p:sp>
+        <p:nvSpPr>
+          <p:cNvPr id="4" name="Title 3"/>
+          <p:cNvSpPr>
+            <a:spLocks noGrp="1"/>
+          </p:cNvSpPr>
+          <p:nvPr>
+            <p:ph type="title"/>
+          </p:nvPr>
+        </p:nvSpPr>
+        <p:spPr/>
+        <p:txBody>
+          <a:bodyPr/>
+          <a:lstStyle/>
+          <a:p>
+            <a:r>
+              <a:rPr lang="en-US" dirty="0"/>
+              <a:t>Local Configuration Manager (LCM)</a:t>
+            </a:r>
+          </a:p>
+        </p:txBody>
+      </p:sp>
+    </p:spTree>
+    <p:extLst>
+      <p:ext uri="{BB962C8B-B14F-4D97-AF65-F5344CB8AC3E}">
+        <p14:creationId xmlns:p14="http://schemas.microsoft.com/office/powerpoint/2010/main" val="503603499"/>
+      </p:ext>
+    </p:extLst>
+  </p:cSld>
+  <p:clrMapOvr>
+    <a:masterClrMapping/>
+  </p:clrMapOvr>
+</p:sld>
+</file>
+
+<file path=ppt/slides/slide11.xml><?xml version="1.0" encoding="utf-8"?>
 <p:sld xmlns:a="http://schemas.openxmlformats.org/drawingml/2006/main" xmlns:r="http://schemas.openxmlformats.org/officeDocument/2006/relationships" xmlns:p="http://schemas.openxmlformats.org/presentationml/2006/main">
   <p:cSld>
     <p:spTree>
@@ -5021,7 +5425,7 @@
 </p:sld>
 </file>
 
-<file path=ppt/slides/slide11.xml><?xml version="1.0" encoding="utf-8"?>
+<file path=ppt/slides/slide12.xml><?xml version="1.0" encoding="utf-8"?>
 <p:sld xmlns:a="http://schemas.openxmlformats.org/drawingml/2006/main" xmlns:r="http://schemas.openxmlformats.org/officeDocument/2006/relationships" xmlns:p="http://schemas.openxmlformats.org/presentationml/2006/main">
   <p:cSld>
     <p:spTree>
@@ -5233,7 +5637,7 @@
 </p:sld>
 </file>
 
-<file path=ppt/slides/slide12.xml><?xml version="1.0" encoding="utf-8"?>
+<file path=ppt/slides/slide13.xml><?xml version="1.0" encoding="utf-8"?>
 <p:sld xmlns:a="http://schemas.openxmlformats.org/drawingml/2006/main" xmlns:r="http://schemas.openxmlformats.org/officeDocument/2006/relationships" xmlns:p="http://schemas.openxmlformats.org/presentationml/2006/main">
   <p:cSld>
     <p:spTree>
@@ -5285,7 +5689,7 @@
 </p:sld>
 </file>
 
-<file path=ppt/slides/slide13.xml><?xml version="1.0" encoding="utf-8"?>
+<file path=ppt/slides/slide14.xml><?xml version="1.0" encoding="utf-8"?>
 <p:sld xmlns:a="http://schemas.openxmlformats.org/drawingml/2006/main" xmlns:r="http://schemas.openxmlformats.org/officeDocument/2006/relationships" xmlns:p="http://schemas.openxmlformats.org/presentationml/2006/main">
   <p:cSld>
     <p:spTree>
@@ -5811,7 +6215,7 @@
 </p:sld>
 </file>
 
-<file path=ppt/slides/slide14.xml><?xml version="1.0" encoding="utf-8"?>
+<file path=ppt/slides/slide15.xml><?xml version="1.0" encoding="utf-8"?>
 <p:sld xmlns:a="http://schemas.openxmlformats.org/drawingml/2006/main" xmlns:r="http://schemas.openxmlformats.org/officeDocument/2006/relationships" xmlns:p="http://schemas.openxmlformats.org/presentationml/2006/main">
   <p:cSld>
     <p:spTree>
@@ -6034,7 +6438,7 @@
 </p:sld>
 </file>
 
-<file path=ppt/slides/slide15.xml><?xml version="1.0" encoding="utf-8"?>
+<file path=ppt/slides/slide16.xml><?xml version="1.0" encoding="utf-8"?>
 <p:sld xmlns:a="http://schemas.openxmlformats.org/drawingml/2006/main" xmlns:r="http://schemas.openxmlformats.org/officeDocument/2006/relationships" xmlns:p="http://schemas.openxmlformats.org/presentationml/2006/main">
   <p:cSld>
     <p:spTree>
@@ -6073,7 +6477,7 @@
                 </a:solidFill>
                 <a:latin typeface="+mj-lt"/>
               </a:rPr>
-              <a:t>Resources</a:t>
+              <a:t>Obtaining Resources</a:t>
             </a:r>
           </a:p>
         </p:txBody>
@@ -7089,7 +7493,7 @@
 </p:sld>
 </file>
 
-<file path=ppt/slides/slide16.xml><?xml version="1.0" encoding="utf-8"?>
+<file path=ppt/slides/slide17.xml><?xml version="1.0" encoding="utf-8"?>
 <p:sld xmlns:a="http://schemas.openxmlformats.org/drawingml/2006/main" xmlns:r="http://schemas.openxmlformats.org/officeDocument/2006/relationships" xmlns:p="http://schemas.openxmlformats.org/presentationml/2006/main">
   <p:cSld>
     <p:spTree>
@@ -7128,7 +7532,7 @@
                 </a:solidFill>
                 <a:latin typeface="+mj-lt"/>
               </a:rPr>
-              <a:t>Resources</a:t>
+              <a:t>Authoring Resources</a:t>
             </a:r>
           </a:p>
         </p:txBody>
@@ -7920,7 +8324,7 @@
 </p:sld>
 </file>
 
-<file path=ppt/slides/slide17.xml><?xml version="1.0" encoding="utf-8"?>
+<file path=ppt/slides/slide18.xml><?xml version="1.0" encoding="utf-8"?>
 <p:sld xmlns:a="http://schemas.openxmlformats.org/drawingml/2006/main" xmlns:r="http://schemas.openxmlformats.org/officeDocument/2006/relationships" xmlns:p="http://schemas.openxmlformats.org/presentationml/2006/main">
   <p:cSld>
     <p:spTree>
@@ -7972,7 +8376,7 @@
 </p:sld>
 </file>
 
-<file path=ppt/slides/slide18.xml><?xml version="1.0" encoding="utf-8"?>
+<file path=ppt/slides/slide19.xml><?xml version="1.0" encoding="utf-8"?>
 <p:sld xmlns:a="http://schemas.openxmlformats.org/drawingml/2006/main" xmlns:r="http://schemas.openxmlformats.org/officeDocument/2006/relationships" xmlns:p="http://schemas.openxmlformats.org/presentationml/2006/main">
   <p:cSld>
     <p:spTree>
@@ -8490,65 +8894,6 @@
 </p:sld>
 </file>
 
-<file path=ppt/slides/slide19.xml><?xml version="1.0" encoding="utf-8"?>
-<p:sld xmlns:a="http://schemas.openxmlformats.org/drawingml/2006/main" xmlns:r="http://schemas.openxmlformats.org/officeDocument/2006/relationships" xmlns:p="http://schemas.openxmlformats.org/presentationml/2006/main">
-  <p:cSld>
-    <p:spTree>
-      <p:nvGrpSpPr>
-        <p:cNvPr id="1" name=""/>
-        <p:cNvGrpSpPr/>
-        <p:nvPr/>
-      </p:nvGrpSpPr>
-      <p:grpSpPr>
-        <a:xfrm>
-          <a:off x="0" y="0"/>
-          <a:ext cx="0" cy="0"/>
-          <a:chOff x="0" y="0"/>
-          <a:chExt cx="0" cy="0"/>
-        </a:xfrm>
-      </p:grpSpPr>
-      <p:sp>
-        <p:nvSpPr>
-          <p:cNvPr id="4" name="Title 3"/>
-          <p:cNvSpPr>
-            <a:spLocks noGrp="1"/>
-          </p:cNvSpPr>
-          <p:nvPr>
-            <p:ph type="title"/>
-          </p:nvPr>
-        </p:nvSpPr>
-        <p:spPr/>
-        <p:txBody>
-          <a:bodyPr/>
-          <a:lstStyle/>
-          <a:p>
-            <a:r>
-              <a:rPr lang="en-US" dirty="0"/>
-              <a:t>Azure Automation DSC</a:t>
-            </a:r>
-            <a:br>
-              <a:rPr lang="en-US" dirty="0"/>
-            </a:br>
-            <a:r>
-              <a:rPr lang="en-US" dirty="0"/>
-              <a:t>Monitoring and Troubleshooting</a:t>
-            </a:r>
-          </a:p>
-        </p:txBody>
-      </p:sp>
-    </p:spTree>
-    <p:extLst>
-      <p:ext uri="{BB962C8B-B14F-4D97-AF65-F5344CB8AC3E}">
-        <p14:creationId xmlns:p14="http://schemas.microsoft.com/office/powerpoint/2010/main" val="460509381"/>
-      </p:ext>
-    </p:extLst>
-  </p:cSld>
-  <p:clrMapOvr>
-    <a:masterClrMapping/>
-  </p:clrMapOvr>
-</p:sld>
-</file>
-
 <file path=ppt/slides/slide2.xml><?xml version="1.0" encoding="utf-8"?>
 <p:sld xmlns:a="http://schemas.openxmlformats.org/drawingml/2006/main" xmlns:r="http://schemas.openxmlformats.org/officeDocument/2006/relationships" xmlns:p="http://schemas.openxmlformats.org/presentationml/2006/main">
   <p:cSld>
@@ -8604,8 +8949,8 @@
         </p:nvSpPr>
         <p:spPr>
           <a:xfrm>
-            <a:off x="457200" y="1028700"/>
-            <a:ext cx="4800600" cy="3752850"/>
+            <a:off x="457200" y="1581150"/>
+            <a:ext cx="4800600" cy="3200400"/>
           </a:xfrm>
         </p:spPr>
         <p:txBody>
@@ -8614,37 +8959,19 @@
           <a:p>
             <a:r>
               <a:rPr lang="en-US" dirty="0"/>
-              <a:t>Gain a holistic view of the PowerShell Desired State Configuration (DSC) lifecycle</a:t>
+              <a:t>Gain a holistic view of the PowerShell DSC lifecycle</a:t>
             </a:r>
           </a:p>
           <a:p>
             <a:r>
               <a:rPr lang="en-US" dirty="0"/>
-              <a:t>Local Configuration Manager (LCM)</a:t>
+              <a:t>Get comfortable with DSC “parts ‘n’ pieces”</a:t>
             </a:r>
           </a:p>
           <a:p>
             <a:r>
               <a:rPr lang="en-US" dirty="0"/>
-              <a:t>Resources</a:t>
-            </a:r>
-          </a:p>
-          <a:p>
-            <a:r>
-              <a:rPr lang="en-US" dirty="0"/>
-              <a:t>Configurations</a:t>
-            </a:r>
-          </a:p>
-          <a:p>
-            <a:r>
-              <a:rPr lang="en-US" dirty="0"/>
-              <a:t>Pull server with Azure Automation DSC</a:t>
-            </a:r>
-          </a:p>
-          <a:p>
-            <a:r>
-              <a:rPr lang="en-US" dirty="0"/>
-              <a:t>Monitoring and troubleshooting</a:t>
+              <a:t>Become immediately effective</a:t>
             </a:r>
           </a:p>
           <a:p>
@@ -8668,7 +8995,7 @@
         </p:blipFill>
         <p:spPr>
           <a:xfrm>
-            <a:off x="5638800" y="800100"/>
+            <a:off x="5638800" y="895350"/>
             <a:ext cx="2895600" cy="3731376"/>
           </a:xfrm>
           <a:prstGeom prst="rect">
@@ -8880,189 +9207,6 @@
                       </p:childTnLst>
                     </p:cTn>
                   </p:par>
-                  <p:par>
-                    <p:cTn id="18" fill="hold">
-                      <p:stCondLst>
-                        <p:cond delay="indefinite"/>
-                      </p:stCondLst>
-                      <p:childTnLst>
-                        <p:par>
-                          <p:cTn id="19" fill="hold">
-                            <p:stCondLst>
-                              <p:cond delay="0"/>
-                            </p:stCondLst>
-                            <p:childTnLst>
-                              <p:par>
-                                <p:cTn id="20" presetID="10" presetClass="entr" presetSubtype="0" fill="hold" nodeType="clickEffect">
-                                  <p:stCondLst>
-                                    <p:cond delay="0"/>
-                                  </p:stCondLst>
-                                  <p:childTnLst>
-                                    <p:set>
-                                      <p:cBhvr>
-                                        <p:cTn id="21" dur="1" fill="hold">
-                                          <p:stCondLst>
-                                            <p:cond delay="0"/>
-                                          </p:stCondLst>
-                                        </p:cTn>
-                                        <p:tgtEl>
-                                          <p:spTgt spid="3">
-                                            <p:txEl>
-                                              <p:pRg st="3" end="3"/>
-                                            </p:txEl>
-                                          </p:spTgt>
-                                        </p:tgtEl>
-                                        <p:attrNameLst>
-                                          <p:attrName>style.visibility</p:attrName>
-                                        </p:attrNameLst>
-                                      </p:cBhvr>
-                                      <p:to>
-                                        <p:strVal val="visible"/>
-                                      </p:to>
-                                    </p:set>
-                                    <p:animEffect transition="in" filter="fade">
-                                      <p:cBhvr>
-                                        <p:cTn id="22" dur="500"/>
-                                        <p:tgtEl>
-                                          <p:spTgt spid="3">
-                                            <p:txEl>
-                                              <p:pRg st="3" end="3"/>
-                                            </p:txEl>
-                                          </p:spTgt>
-                                        </p:tgtEl>
-                                      </p:cBhvr>
-                                    </p:animEffect>
-                                  </p:childTnLst>
-                                </p:cTn>
-                              </p:par>
-                            </p:childTnLst>
-                          </p:cTn>
-                        </p:par>
-                      </p:childTnLst>
-                    </p:cTn>
-                  </p:par>
-                  <p:par>
-                    <p:cTn id="23" fill="hold">
-                      <p:stCondLst>
-                        <p:cond delay="indefinite"/>
-                      </p:stCondLst>
-                      <p:childTnLst>
-                        <p:par>
-                          <p:cTn id="24" fill="hold">
-                            <p:stCondLst>
-                              <p:cond delay="0"/>
-                            </p:stCondLst>
-                            <p:childTnLst>
-                              <p:par>
-                                <p:cTn id="25" presetID="10" presetClass="entr" presetSubtype="0" fill="hold" nodeType="clickEffect">
-                                  <p:stCondLst>
-                                    <p:cond delay="0"/>
-                                  </p:stCondLst>
-                                  <p:childTnLst>
-                                    <p:set>
-                                      <p:cBhvr>
-                                        <p:cTn id="26" dur="1" fill="hold">
-                                          <p:stCondLst>
-                                            <p:cond delay="0"/>
-                                          </p:stCondLst>
-                                        </p:cTn>
-                                        <p:tgtEl>
-                                          <p:spTgt spid="3">
-                                            <p:txEl>
-                                              <p:pRg st="4" end="4"/>
-                                            </p:txEl>
-                                          </p:spTgt>
-                                        </p:tgtEl>
-                                        <p:attrNameLst>
-                                          <p:attrName>style.visibility</p:attrName>
-                                        </p:attrNameLst>
-                                      </p:cBhvr>
-                                      <p:to>
-                                        <p:strVal val="visible"/>
-                                      </p:to>
-                                    </p:set>
-                                    <p:animEffect transition="in" filter="fade">
-                                      <p:cBhvr>
-                                        <p:cTn id="27" dur="500"/>
-                                        <p:tgtEl>
-                                          <p:spTgt spid="3">
-                                            <p:txEl>
-                                              <p:pRg st="4" end="4"/>
-                                            </p:txEl>
-                                          </p:spTgt>
-                                        </p:tgtEl>
-                                      </p:cBhvr>
-                                    </p:animEffect>
-                                  </p:childTnLst>
-                                </p:cTn>
-                              </p:par>
-                            </p:childTnLst>
-                          </p:cTn>
-                        </p:par>
-                      </p:childTnLst>
-                    </p:cTn>
-                  </p:par>
-                  <p:par>
-                    <p:cTn id="28" fill="hold">
-                      <p:stCondLst>
-                        <p:cond delay="indefinite"/>
-                      </p:stCondLst>
-                      <p:childTnLst>
-                        <p:par>
-                          <p:cTn id="29" fill="hold">
-                            <p:stCondLst>
-                              <p:cond delay="0"/>
-                            </p:stCondLst>
-                            <p:childTnLst>
-                              <p:par>
-                                <p:cTn id="30" presetID="10" presetClass="entr" presetSubtype="0" fill="hold" nodeType="clickEffect">
-                                  <p:stCondLst>
-                                    <p:cond delay="0"/>
-                                  </p:stCondLst>
-                                  <p:childTnLst>
-                                    <p:set>
-                                      <p:cBhvr>
-                                        <p:cTn id="31" dur="1" fill="hold">
-                                          <p:stCondLst>
-                                            <p:cond delay="0"/>
-                                          </p:stCondLst>
-                                        </p:cTn>
-                                        <p:tgtEl>
-                                          <p:spTgt spid="3">
-                                            <p:txEl>
-                                              <p:pRg st="5" end="5"/>
-                                            </p:txEl>
-                                          </p:spTgt>
-                                        </p:tgtEl>
-                                        <p:attrNameLst>
-                                          <p:attrName>style.visibility</p:attrName>
-                                        </p:attrNameLst>
-                                      </p:cBhvr>
-                                      <p:to>
-                                        <p:strVal val="visible"/>
-                                      </p:to>
-                                    </p:set>
-                                    <p:animEffect transition="in" filter="fade">
-                                      <p:cBhvr>
-                                        <p:cTn id="32" dur="500"/>
-                                        <p:tgtEl>
-                                          <p:spTgt spid="3">
-                                            <p:txEl>
-                                              <p:pRg st="5" end="5"/>
-                                            </p:txEl>
-                                          </p:spTgt>
-                                        </p:tgtEl>
-                                      </p:cBhvr>
-                                    </p:animEffect>
-                                  </p:childTnLst>
-                                </p:cTn>
-                              </p:par>
-                            </p:childTnLst>
-                          </p:cTn>
-                        </p:par>
-                      </p:childTnLst>
-                    </p:cTn>
-                  </p:par>
                 </p:childTnLst>
               </p:cTn>
               <p:prevCondLst>
@@ -9107,6 +9251,58 @@
       </p:grpSpPr>
       <p:sp>
         <p:nvSpPr>
+          <p:cNvPr id="4" name="Title 3"/>
+          <p:cNvSpPr>
+            <a:spLocks noGrp="1"/>
+          </p:cNvSpPr>
+          <p:nvPr>
+            <p:ph type="title"/>
+          </p:nvPr>
+        </p:nvSpPr>
+        <p:spPr/>
+        <p:txBody>
+          <a:bodyPr/>
+          <a:lstStyle/>
+          <a:p>
+            <a:r>
+              <a:rPr lang="en-US" dirty="0"/>
+              <a:t>Azure Automation DSC</a:t>
+            </a:r>
+          </a:p>
+        </p:txBody>
+      </p:sp>
+    </p:spTree>
+    <p:extLst>
+      <p:ext uri="{BB962C8B-B14F-4D97-AF65-F5344CB8AC3E}">
+        <p14:creationId xmlns:p14="http://schemas.microsoft.com/office/powerpoint/2010/main" val="460509381"/>
+      </p:ext>
+    </p:extLst>
+  </p:cSld>
+  <p:clrMapOvr>
+    <a:masterClrMapping/>
+  </p:clrMapOvr>
+</p:sld>
+</file>
+
+<file path=ppt/slides/slide21.xml><?xml version="1.0" encoding="utf-8"?>
+<p:sld xmlns:a="http://schemas.openxmlformats.org/drawingml/2006/main" xmlns:r="http://schemas.openxmlformats.org/officeDocument/2006/relationships" xmlns:p="http://schemas.openxmlformats.org/presentationml/2006/main">
+  <p:cSld>
+    <p:spTree>
+      <p:nvGrpSpPr>
+        <p:cNvPr id="1" name=""/>
+        <p:cNvGrpSpPr/>
+        <p:nvPr/>
+      </p:nvGrpSpPr>
+      <p:grpSpPr>
+        <a:xfrm>
+          <a:off x="0" y="0"/>
+          <a:ext cx="0" cy="0"/>
+          <a:chOff x="0" y="0"/>
+          <a:chExt cx="0" cy="0"/>
+        </a:xfrm>
+      </p:grpSpPr>
+      <p:sp>
+        <p:nvSpPr>
           <p:cNvPr id="3" name="Title 2"/>
           <p:cNvSpPr>
             <a:spLocks noGrp="1"/>
@@ -9127,46 +9323,7 @@
                 </a:solidFill>
                 <a:latin typeface="Calibri"/>
               </a:rPr>
-              <a:t>Troubleshooting</a:t>
-            </a:r>
-            <a:r>
-              <a:rPr lang="en-US" dirty="0"/>
-              <a:t> </a:t>
-            </a:r>
-            <a:r>
-              <a:rPr lang="en-US" dirty="0">
-                <a:solidFill>
-                  <a:schemeClr val="accent1"/>
-                </a:solidFill>
-                <a:latin typeface="Calibri"/>
-              </a:rPr>
-              <a:t>DSC:</a:t>
-            </a:r>
-            <a:r>
-              <a:rPr lang="en-US" dirty="0"/>
-              <a:t> </a:t>
-            </a:r>
-            <a:r>
-              <a:rPr lang="en-US" dirty="0">
-                <a:solidFill>
-                  <a:schemeClr val="accent1"/>
-                </a:solidFill>
-                <a:latin typeface="Calibri"/>
-              </a:rPr>
-              <a:t>Jump</a:t>
-            </a:r>
-            <a:r>
-              <a:rPr lang="en-US" dirty="0"/>
-              <a:t> </a:t>
-            </a:r>
-            <a:r>
-              <a:rPr lang="en-US" dirty="0">
-                <a:solidFill>
-                  <a:schemeClr val="accent1"/>
-                </a:solidFill>
-                <a:latin typeface="Calibri"/>
-              </a:rPr>
-              <a:t>Start</a:t>
+              <a:t>AADSC</a:t>
             </a:r>
           </a:p>
         </p:txBody>
@@ -9181,15 +9338,378 @@
             <p:ph type="body" idx="1"/>
           </p:nvPr>
         </p:nvSpPr>
+        <p:spPr>
+          <a:xfrm>
+            <a:off x="75755" y="3901086"/>
+            <a:ext cx="3581400" cy="381000"/>
+          </a:xfrm>
+        </p:spPr>
+        <p:txBody>
+          <a:bodyPr/>
+          <a:lstStyle/>
+          <a:p>
+            <a:pPr marL="0" indent="0">
+              <a:buNone/>
+            </a:pPr>
+            <a:r>
+              <a:rPr lang="en-US" sz="1600" dirty="0">
+                <a:solidFill>
+                  <a:srgbClr val="002060"/>
+                </a:solidFill>
+              </a:rPr>
+              <a:t>timw.info/</a:t>
+            </a:r>
+            <a:r>
+              <a:rPr lang="en-US" sz="1600" dirty="0" err="1">
+                <a:solidFill>
+                  <a:srgbClr val="002060"/>
+                </a:solidFill>
+              </a:rPr>
+              <a:t>aadsc</a:t>
+            </a:r>
+            <a:endParaRPr lang="en-US" sz="1600" dirty="0">
+              <a:solidFill>
+                <a:srgbClr val="002060"/>
+              </a:solidFill>
+            </a:endParaRPr>
+          </a:p>
+        </p:txBody>
+      </p:sp>
+      <p:pic>
+        <p:nvPicPr>
+          <p:cNvPr id="5" name="Picture 4"/>
+          <p:cNvPicPr>
+            <a:picLocks noChangeAspect="1"/>
+          </p:cNvPicPr>
+          <p:nvPr/>
+        </p:nvPicPr>
+        <p:blipFill>
+          <a:blip r:embed="rId2"/>
+          <a:stretch>
+            <a:fillRect/>
+          </a:stretch>
+        </p:blipFill>
+        <p:spPr>
+          <a:xfrm>
+            <a:off x="75755" y="4389055"/>
+            <a:ext cx="3429297" cy="754445"/>
+          </a:xfrm>
+          <a:prstGeom prst="rect">
+            <a:avLst/>
+          </a:prstGeom>
+        </p:spPr>
+      </p:pic>
+      <p:pic>
+        <p:nvPicPr>
+          <p:cNvPr id="2" name="Picture 1"/>
+          <p:cNvPicPr>
+            <a:picLocks noChangeAspect="1"/>
+          </p:cNvPicPr>
+          <p:nvPr/>
+        </p:nvPicPr>
+        <p:blipFill>
+          <a:blip r:embed="rId3"/>
+          <a:stretch>
+            <a:fillRect/>
+          </a:stretch>
+        </p:blipFill>
+        <p:spPr>
+          <a:xfrm>
+            <a:off x="2209800" y="781050"/>
+            <a:ext cx="4572000" cy="4264592"/>
+          </a:xfrm>
+          <a:prstGeom prst="rect">
+            <a:avLst/>
+          </a:prstGeom>
+        </p:spPr>
+      </p:pic>
+    </p:spTree>
+    <p:extLst>
+      <p:ext uri="{BB962C8B-B14F-4D97-AF65-F5344CB8AC3E}">
+        <p14:creationId xmlns:p14="http://schemas.microsoft.com/office/powerpoint/2010/main" val="1049008656"/>
+      </p:ext>
+    </p:extLst>
+  </p:cSld>
+  <p:clrMapOvr>
+    <a:masterClrMapping/>
+  </p:clrMapOvr>
+  <p:transition/>
+</p:sld>
+</file>
+
+<file path=ppt/slides/slide22.xml><?xml version="1.0" encoding="utf-8"?>
+<p:sld xmlns:a="http://schemas.openxmlformats.org/drawingml/2006/main" xmlns:r="http://schemas.openxmlformats.org/officeDocument/2006/relationships" xmlns:p="http://schemas.openxmlformats.org/presentationml/2006/main">
+  <p:cSld>
+    <p:spTree>
+      <p:nvGrpSpPr>
+        <p:cNvPr id="1" name=""/>
+        <p:cNvGrpSpPr/>
+        <p:nvPr/>
+      </p:nvGrpSpPr>
+      <p:grpSpPr>
+        <a:xfrm>
+          <a:off x="0" y="0"/>
+          <a:ext cx="0" cy="0"/>
+          <a:chOff x="0" y="0"/>
+          <a:chExt cx="0" cy="0"/>
+        </a:xfrm>
+      </p:grpSpPr>
+      <p:sp>
+        <p:nvSpPr>
+          <p:cNvPr id="4" name="Title 3"/>
+          <p:cNvSpPr>
+            <a:spLocks noGrp="1"/>
+          </p:cNvSpPr>
+          <p:nvPr>
+            <p:ph type="title"/>
+          </p:nvPr>
+        </p:nvSpPr>
         <p:spPr/>
         <p:txBody>
           <a:bodyPr/>
           <a:lstStyle/>
           <a:p>
-            <a:endParaRPr lang="en-US" dirty="0"/>
+            <a:r>
+              <a:rPr lang="en-US" dirty="0"/>
+              <a:t>Monitoring and Troubleshooting</a:t>
+            </a:r>
           </a:p>
         </p:txBody>
       </p:sp>
+    </p:spTree>
+    <p:extLst>
+      <p:ext uri="{BB962C8B-B14F-4D97-AF65-F5344CB8AC3E}">
+        <p14:creationId xmlns:p14="http://schemas.microsoft.com/office/powerpoint/2010/main" val="3420629665"/>
+      </p:ext>
+    </p:extLst>
+  </p:cSld>
+  <p:clrMapOvr>
+    <a:masterClrMapping/>
+  </p:clrMapOvr>
+</p:sld>
+</file>
+
+<file path=ppt/slides/slide23.xml><?xml version="1.0" encoding="utf-8"?>
+<p:sld xmlns:a="http://schemas.openxmlformats.org/drawingml/2006/main" xmlns:r="http://schemas.openxmlformats.org/officeDocument/2006/relationships" xmlns:p="http://schemas.openxmlformats.org/presentationml/2006/main">
+  <p:cSld>
+    <p:spTree>
+      <p:nvGrpSpPr>
+        <p:cNvPr id="1" name=""/>
+        <p:cNvGrpSpPr/>
+        <p:nvPr/>
+      </p:nvGrpSpPr>
+      <p:grpSpPr>
+        <a:xfrm>
+          <a:off x="0" y="0"/>
+          <a:ext cx="0" cy="0"/>
+          <a:chOff x="0" y="0"/>
+          <a:chExt cx="0" cy="0"/>
+        </a:xfrm>
+      </p:grpSpPr>
+      <p:sp>
+        <p:nvSpPr>
+          <p:cNvPr id="3" name="Title 2"/>
+          <p:cNvSpPr>
+            <a:spLocks noGrp="1"/>
+          </p:cNvSpPr>
+          <p:nvPr>
+            <p:ph type="title"/>
+          </p:nvPr>
+        </p:nvSpPr>
+        <p:spPr/>
+        <p:txBody>
+          <a:bodyPr/>
+          <a:lstStyle/>
+          <a:p>
+            <a:r>
+              <a:rPr lang="en-US" dirty="0">
+                <a:solidFill>
+                  <a:schemeClr val="accent1"/>
+                </a:solidFill>
+                <a:latin typeface="Calibri"/>
+              </a:rPr>
+              <a:t>Troubleshooting</a:t>
+            </a:r>
+            <a:r>
+              <a:rPr lang="en-US" dirty="0"/>
+              <a:t> </a:t>
+            </a:r>
+            <a:r>
+              <a:rPr lang="en-US" dirty="0">
+                <a:solidFill>
+                  <a:schemeClr val="accent1"/>
+                </a:solidFill>
+                <a:latin typeface="Calibri"/>
+              </a:rPr>
+              <a:t>DSC:</a:t>
+            </a:r>
+            <a:r>
+              <a:rPr lang="en-US" dirty="0"/>
+              <a:t> </a:t>
+            </a:r>
+            <a:r>
+              <a:rPr lang="en-US" dirty="0">
+                <a:solidFill>
+                  <a:schemeClr val="accent1"/>
+                </a:solidFill>
+                <a:latin typeface="Calibri"/>
+              </a:rPr>
+              <a:t>Jump</a:t>
+            </a:r>
+            <a:r>
+              <a:rPr lang="en-US" dirty="0"/>
+              <a:t> </a:t>
+            </a:r>
+            <a:r>
+              <a:rPr lang="en-US" dirty="0">
+                <a:solidFill>
+                  <a:schemeClr val="accent1"/>
+                </a:solidFill>
+                <a:latin typeface="Calibri"/>
+              </a:rPr>
+              <a:t>Start</a:t>
+            </a:r>
+          </a:p>
+        </p:txBody>
+      </p:sp>
+      <p:sp>
+        <p:nvSpPr>
+          <p:cNvPr id="4" name="Text Placeholder 3"/>
+          <p:cNvSpPr>
+            <a:spLocks noGrp="1"/>
+          </p:cNvSpPr>
+          <p:nvPr>
+            <p:ph type="body" idx="1"/>
+          </p:nvPr>
+        </p:nvSpPr>
+        <p:spPr>
+          <a:xfrm>
+            <a:off x="457200" y="1028700"/>
+            <a:ext cx="5562600" cy="3676650"/>
+          </a:xfrm>
+        </p:spPr>
+        <p:txBody>
+          <a:bodyPr/>
+          <a:lstStyle/>
+          <a:p>
+            <a:r>
+              <a:rPr lang="en-US" dirty="0"/>
+              <a:t>Test-</a:t>
+            </a:r>
+            <a:r>
+              <a:rPr lang="en-US" dirty="0" err="1"/>
+              <a:t>DscConfiguration</a:t>
+            </a:r>
+            <a:endParaRPr lang="en-US" dirty="0"/>
+          </a:p>
+          <a:p>
+            <a:r>
+              <a:rPr lang="en-US" dirty="0"/>
+              <a:t>Start-</a:t>
+            </a:r>
+            <a:r>
+              <a:rPr lang="en-US" dirty="0" err="1"/>
+              <a:t>DscConfiguration</a:t>
+            </a:r>
+            <a:r>
+              <a:rPr lang="en-US" dirty="0"/>
+              <a:t> -Verbose -</a:t>
+            </a:r>
+            <a:r>
+              <a:rPr lang="en-US" dirty="0" err="1"/>
+              <a:t>WhatIf</a:t>
+            </a:r>
+            <a:endParaRPr lang="en-US" dirty="0"/>
+          </a:p>
+          <a:p>
+            <a:r>
+              <a:rPr lang="en-US" dirty="0"/>
+              <a:t>Restore-</a:t>
+            </a:r>
+            <a:r>
+              <a:rPr lang="en-US" dirty="0" err="1"/>
+              <a:t>DscConfiguration</a:t>
+            </a:r>
+            <a:endParaRPr lang="en-US" dirty="0"/>
+          </a:p>
+          <a:p>
+            <a:r>
+              <a:rPr lang="en-US" dirty="0"/>
+              <a:t>Remove-</a:t>
+            </a:r>
+            <a:r>
+              <a:rPr lang="en-US" dirty="0" err="1"/>
+              <a:t>DscConfigurationDocument</a:t>
+            </a:r>
+            <a:endParaRPr lang="en-US" dirty="0"/>
+          </a:p>
+          <a:p>
+            <a:pPr lvl="1"/>
+            <a:r>
+              <a:rPr lang="en-US" dirty="0"/>
+              <a:t>Current</a:t>
+            </a:r>
+          </a:p>
+          <a:p>
+            <a:pPr lvl="1"/>
+            <a:r>
+              <a:rPr lang="en-US" dirty="0"/>
+              <a:t>Previous</a:t>
+            </a:r>
+          </a:p>
+          <a:p>
+            <a:pPr lvl="1"/>
+            <a:r>
+              <a:rPr lang="en-US" dirty="0"/>
+              <a:t>Pending</a:t>
+            </a:r>
+          </a:p>
+          <a:p>
+            <a:r>
+              <a:rPr lang="en-US" dirty="0"/>
+              <a:t>Get-Command -Noun </a:t>
+            </a:r>
+            <a:r>
+              <a:rPr lang="en-US" dirty="0" err="1"/>
+              <a:t>AzureRMAutomation</a:t>
+            </a:r>
+            <a:r>
+              <a:rPr lang="en-US" dirty="0"/>
+              <a:t>*</a:t>
+            </a:r>
+          </a:p>
+        </p:txBody>
+      </p:sp>
+      <p:pic>
+        <p:nvPicPr>
+          <p:cNvPr id="5" name="Picture 4"/>
+          <p:cNvPicPr>
+            <a:picLocks noChangeAspect="1"/>
+          </p:cNvPicPr>
+          <p:nvPr/>
+        </p:nvPicPr>
+        <p:blipFill>
+          <a:blip r:embed="rId2" cstate="print">
+            <a:extLst>
+              <a:ext uri="{28A0092B-C50C-407E-A947-70E740481C1C}">
+                <a14:useLocalDpi xmlns:a14="http://schemas.microsoft.com/office/drawing/2010/main" val="0"/>
+              </a:ext>
+            </a:extLst>
+          </a:blip>
+          <a:stretch>
+            <a:fillRect/>
+          </a:stretch>
+        </p:blipFill>
+        <p:spPr>
+          <a:xfrm>
+            <a:off x="6172200" y="1581150"/>
+            <a:ext cx="2571750" cy="2571750"/>
+          </a:xfrm>
+          <a:prstGeom prst="rect">
+            <a:avLst/>
+          </a:prstGeom>
+        </p:spPr>
+      </p:pic>
     </p:spTree>
     <p:extLst>
       <p:ext uri="{BB962C8B-B14F-4D97-AF65-F5344CB8AC3E}">
@@ -9201,10 +9721,803 @@
     <a:masterClrMapping/>
   </p:clrMapOvr>
   <p:transition/>
+  <p:timing>
+    <p:tnLst>
+      <p:par>
+        <p:cTn id="1" dur="indefinite" restart="never" nodeType="tmRoot">
+          <p:childTnLst>
+            <p:seq concurrent="1" nextAc="seek">
+              <p:cTn id="2" dur="indefinite" nodeType="mainSeq">
+                <p:childTnLst>
+                  <p:par>
+                    <p:cTn id="3" fill="hold">
+                      <p:stCondLst>
+                        <p:cond delay="indefinite"/>
+                      </p:stCondLst>
+                      <p:childTnLst>
+                        <p:par>
+                          <p:cTn id="4" fill="hold">
+                            <p:stCondLst>
+                              <p:cond delay="0"/>
+                            </p:stCondLst>
+                            <p:childTnLst>
+                              <p:par>
+                                <p:cTn id="5" presetID="10" presetClass="entr" presetSubtype="0" fill="hold" nodeType="clickEffect">
+                                  <p:stCondLst>
+                                    <p:cond delay="0"/>
+                                  </p:stCondLst>
+                                  <p:childTnLst>
+                                    <p:set>
+                                      <p:cBhvr>
+                                        <p:cTn id="6" dur="1" fill="hold">
+                                          <p:stCondLst>
+                                            <p:cond delay="0"/>
+                                          </p:stCondLst>
+                                        </p:cTn>
+                                        <p:tgtEl>
+                                          <p:spTgt spid="4">
+                                            <p:txEl>
+                                              <p:pRg st="0" end="0"/>
+                                            </p:txEl>
+                                          </p:spTgt>
+                                        </p:tgtEl>
+                                        <p:attrNameLst>
+                                          <p:attrName>style.visibility</p:attrName>
+                                        </p:attrNameLst>
+                                      </p:cBhvr>
+                                      <p:to>
+                                        <p:strVal val="visible"/>
+                                      </p:to>
+                                    </p:set>
+                                    <p:animEffect transition="in" filter="fade">
+                                      <p:cBhvr>
+                                        <p:cTn id="7" dur="500"/>
+                                        <p:tgtEl>
+                                          <p:spTgt spid="4">
+                                            <p:txEl>
+                                              <p:pRg st="0" end="0"/>
+                                            </p:txEl>
+                                          </p:spTgt>
+                                        </p:tgtEl>
+                                      </p:cBhvr>
+                                    </p:animEffect>
+                                  </p:childTnLst>
+                                </p:cTn>
+                              </p:par>
+                            </p:childTnLst>
+                          </p:cTn>
+                        </p:par>
+                      </p:childTnLst>
+                    </p:cTn>
+                  </p:par>
+                  <p:par>
+                    <p:cTn id="8" fill="hold">
+                      <p:stCondLst>
+                        <p:cond delay="indefinite"/>
+                      </p:stCondLst>
+                      <p:childTnLst>
+                        <p:par>
+                          <p:cTn id="9" fill="hold">
+                            <p:stCondLst>
+                              <p:cond delay="0"/>
+                            </p:stCondLst>
+                            <p:childTnLst>
+                              <p:par>
+                                <p:cTn id="10" presetID="10" presetClass="entr" presetSubtype="0" fill="hold" nodeType="clickEffect">
+                                  <p:stCondLst>
+                                    <p:cond delay="0"/>
+                                  </p:stCondLst>
+                                  <p:childTnLst>
+                                    <p:set>
+                                      <p:cBhvr>
+                                        <p:cTn id="11" dur="1" fill="hold">
+                                          <p:stCondLst>
+                                            <p:cond delay="0"/>
+                                          </p:stCondLst>
+                                        </p:cTn>
+                                        <p:tgtEl>
+                                          <p:spTgt spid="4">
+                                            <p:txEl>
+                                              <p:pRg st="1" end="1"/>
+                                            </p:txEl>
+                                          </p:spTgt>
+                                        </p:tgtEl>
+                                        <p:attrNameLst>
+                                          <p:attrName>style.visibility</p:attrName>
+                                        </p:attrNameLst>
+                                      </p:cBhvr>
+                                      <p:to>
+                                        <p:strVal val="visible"/>
+                                      </p:to>
+                                    </p:set>
+                                    <p:animEffect transition="in" filter="fade">
+                                      <p:cBhvr>
+                                        <p:cTn id="12" dur="500"/>
+                                        <p:tgtEl>
+                                          <p:spTgt spid="4">
+                                            <p:txEl>
+                                              <p:pRg st="1" end="1"/>
+                                            </p:txEl>
+                                          </p:spTgt>
+                                        </p:tgtEl>
+                                      </p:cBhvr>
+                                    </p:animEffect>
+                                  </p:childTnLst>
+                                </p:cTn>
+                              </p:par>
+                            </p:childTnLst>
+                          </p:cTn>
+                        </p:par>
+                      </p:childTnLst>
+                    </p:cTn>
+                  </p:par>
+                  <p:par>
+                    <p:cTn id="13" fill="hold">
+                      <p:stCondLst>
+                        <p:cond delay="indefinite"/>
+                      </p:stCondLst>
+                      <p:childTnLst>
+                        <p:par>
+                          <p:cTn id="14" fill="hold">
+                            <p:stCondLst>
+                              <p:cond delay="0"/>
+                            </p:stCondLst>
+                            <p:childTnLst>
+                              <p:par>
+                                <p:cTn id="15" presetID="10" presetClass="entr" presetSubtype="0" fill="hold" nodeType="clickEffect">
+                                  <p:stCondLst>
+                                    <p:cond delay="0"/>
+                                  </p:stCondLst>
+                                  <p:childTnLst>
+                                    <p:set>
+                                      <p:cBhvr>
+                                        <p:cTn id="16" dur="1" fill="hold">
+                                          <p:stCondLst>
+                                            <p:cond delay="0"/>
+                                          </p:stCondLst>
+                                        </p:cTn>
+                                        <p:tgtEl>
+                                          <p:spTgt spid="4">
+                                            <p:txEl>
+                                              <p:pRg st="2" end="2"/>
+                                            </p:txEl>
+                                          </p:spTgt>
+                                        </p:tgtEl>
+                                        <p:attrNameLst>
+                                          <p:attrName>style.visibility</p:attrName>
+                                        </p:attrNameLst>
+                                      </p:cBhvr>
+                                      <p:to>
+                                        <p:strVal val="visible"/>
+                                      </p:to>
+                                    </p:set>
+                                    <p:animEffect transition="in" filter="fade">
+                                      <p:cBhvr>
+                                        <p:cTn id="17" dur="500"/>
+                                        <p:tgtEl>
+                                          <p:spTgt spid="4">
+                                            <p:txEl>
+                                              <p:pRg st="2" end="2"/>
+                                            </p:txEl>
+                                          </p:spTgt>
+                                        </p:tgtEl>
+                                      </p:cBhvr>
+                                    </p:animEffect>
+                                  </p:childTnLst>
+                                </p:cTn>
+                              </p:par>
+                            </p:childTnLst>
+                          </p:cTn>
+                        </p:par>
+                      </p:childTnLst>
+                    </p:cTn>
+                  </p:par>
+                  <p:par>
+                    <p:cTn id="18" fill="hold">
+                      <p:stCondLst>
+                        <p:cond delay="indefinite"/>
+                      </p:stCondLst>
+                      <p:childTnLst>
+                        <p:par>
+                          <p:cTn id="19" fill="hold">
+                            <p:stCondLst>
+                              <p:cond delay="0"/>
+                            </p:stCondLst>
+                            <p:childTnLst>
+                              <p:par>
+                                <p:cTn id="20" presetID="10" presetClass="entr" presetSubtype="0" fill="hold" nodeType="clickEffect">
+                                  <p:stCondLst>
+                                    <p:cond delay="0"/>
+                                  </p:stCondLst>
+                                  <p:childTnLst>
+                                    <p:set>
+                                      <p:cBhvr>
+                                        <p:cTn id="21" dur="1" fill="hold">
+                                          <p:stCondLst>
+                                            <p:cond delay="0"/>
+                                          </p:stCondLst>
+                                        </p:cTn>
+                                        <p:tgtEl>
+                                          <p:spTgt spid="4">
+                                            <p:txEl>
+                                              <p:pRg st="3" end="3"/>
+                                            </p:txEl>
+                                          </p:spTgt>
+                                        </p:tgtEl>
+                                        <p:attrNameLst>
+                                          <p:attrName>style.visibility</p:attrName>
+                                        </p:attrNameLst>
+                                      </p:cBhvr>
+                                      <p:to>
+                                        <p:strVal val="visible"/>
+                                      </p:to>
+                                    </p:set>
+                                    <p:animEffect transition="in" filter="fade">
+                                      <p:cBhvr>
+                                        <p:cTn id="22" dur="500"/>
+                                        <p:tgtEl>
+                                          <p:spTgt spid="4">
+                                            <p:txEl>
+                                              <p:pRg st="3" end="3"/>
+                                            </p:txEl>
+                                          </p:spTgt>
+                                        </p:tgtEl>
+                                      </p:cBhvr>
+                                    </p:animEffect>
+                                  </p:childTnLst>
+                                </p:cTn>
+                              </p:par>
+                              <p:par>
+                                <p:cTn id="23" presetID="10" presetClass="entr" presetSubtype="0" fill="hold" nodeType="withEffect">
+                                  <p:stCondLst>
+                                    <p:cond delay="0"/>
+                                  </p:stCondLst>
+                                  <p:childTnLst>
+                                    <p:set>
+                                      <p:cBhvr>
+                                        <p:cTn id="24" dur="1" fill="hold">
+                                          <p:stCondLst>
+                                            <p:cond delay="0"/>
+                                          </p:stCondLst>
+                                        </p:cTn>
+                                        <p:tgtEl>
+                                          <p:spTgt spid="4">
+                                            <p:txEl>
+                                              <p:pRg st="4" end="4"/>
+                                            </p:txEl>
+                                          </p:spTgt>
+                                        </p:tgtEl>
+                                        <p:attrNameLst>
+                                          <p:attrName>style.visibility</p:attrName>
+                                        </p:attrNameLst>
+                                      </p:cBhvr>
+                                      <p:to>
+                                        <p:strVal val="visible"/>
+                                      </p:to>
+                                    </p:set>
+                                    <p:animEffect transition="in" filter="fade">
+                                      <p:cBhvr>
+                                        <p:cTn id="25" dur="500"/>
+                                        <p:tgtEl>
+                                          <p:spTgt spid="4">
+                                            <p:txEl>
+                                              <p:pRg st="4" end="4"/>
+                                            </p:txEl>
+                                          </p:spTgt>
+                                        </p:tgtEl>
+                                      </p:cBhvr>
+                                    </p:animEffect>
+                                  </p:childTnLst>
+                                </p:cTn>
+                              </p:par>
+                              <p:par>
+                                <p:cTn id="26" presetID="10" presetClass="entr" presetSubtype="0" fill="hold" nodeType="withEffect">
+                                  <p:stCondLst>
+                                    <p:cond delay="0"/>
+                                  </p:stCondLst>
+                                  <p:childTnLst>
+                                    <p:set>
+                                      <p:cBhvr>
+                                        <p:cTn id="27" dur="1" fill="hold">
+                                          <p:stCondLst>
+                                            <p:cond delay="0"/>
+                                          </p:stCondLst>
+                                        </p:cTn>
+                                        <p:tgtEl>
+                                          <p:spTgt spid="4">
+                                            <p:txEl>
+                                              <p:pRg st="5" end="5"/>
+                                            </p:txEl>
+                                          </p:spTgt>
+                                        </p:tgtEl>
+                                        <p:attrNameLst>
+                                          <p:attrName>style.visibility</p:attrName>
+                                        </p:attrNameLst>
+                                      </p:cBhvr>
+                                      <p:to>
+                                        <p:strVal val="visible"/>
+                                      </p:to>
+                                    </p:set>
+                                    <p:animEffect transition="in" filter="fade">
+                                      <p:cBhvr>
+                                        <p:cTn id="28" dur="500"/>
+                                        <p:tgtEl>
+                                          <p:spTgt spid="4">
+                                            <p:txEl>
+                                              <p:pRg st="5" end="5"/>
+                                            </p:txEl>
+                                          </p:spTgt>
+                                        </p:tgtEl>
+                                      </p:cBhvr>
+                                    </p:animEffect>
+                                  </p:childTnLst>
+                                </p:cTn>
+                              </p:par>
+                              <p:par>
+                                <p:cTn id="29" presetID="10" presetClass="entr" presetSubtype="0" fill="hold" nodeType="withEffect">
+                                  <p:stCondLst>
+                                    <p:cond delay="0"/>
+                                  </p:stCondLst>
+                                  <p:childTnLst>
+                                    <p:set>
+                                      <p:cBhvr>
+                                        <p:cTn id="30" dur="1" fill="hold">
+                                          <p:stCondLst>
+                                            <p:cond delay="0"/>
+                                          </p:stCondLst>
+                                        </p:cTn>
+                                        <p:tgtEl>
+                                          <p:spTgt spid="4">
+                                            <p:txEl>
+                                              <p:pRg st="6" end="6"/>
+                                            </p:txEl>
+                                          </p:spTgt>
+                                        </p:tgtEl>
+                                        <p:attrNameLst>
+                                          <p:attrName>style.visibility</p:attrName>
+                                        </p:attrNameLst>
+                                      </p:cBhvr>
+                                      <p:to>
+                                        <p:strVal val="visible"/>
+                                      </p:to>
+                                    </p:set>
+                                    <p:animEffect transition="in" filter="fade">
+                                      <p:cBhvr>
+                                        <p:cTn id="31" dur="500"/>
+                                        <p:tgtEl>
+                                          <p:spTgt spid="4">
+                                            <p:txEl>
+                                              <p:pRg st="6" end="6"/>
+                                            </p:txEl>
+                                          </p:spTgt>
+                                        </p:tgtEl>
+                                      </p:cBhvr>
+                                    </p:animEffect>
+                                  </p:childTnLst>
+                                </p:cTn>
+                              </p:par>
+                              <p:par>
+                                <p:cTn id="32" presetID="10" presetClass="entr" presetSubtype="0" fill="hold" nodeType="withEffect">
+                                  <p:stCondLst>
+                                    <p:cond delay="0"/>
+                                  </p:stCondLst>
+                                  <p:childTnLst>
+                                    <p:set>
+                                      <p:cBhvr>
+                                        <p:cTn id="33" dur="1" fill="hold">
+                                          <p:stCondLst>
+                                            <p:cond delay="0"/>
+                                          </p:stCondLst>
+                                        </p:cTn>
+                                        <p:tgtEl>
+                                          <p:spTgt spid="4">
+                                            <p:txEl>
+                                              <p:pRg st="7" end="7"/>
+                                            </p:txEl>
+                                          </p:spTgt>
+                                        </p:tgtEl>
+                                        <p:attrNameLst>
+                                          <p:attrName>style.visibility</p:attrName>
+                                        </p:attrNameLst>
+                                      </p:cBhvr>
+                                      <p:to>
+                                        <p:strVal val="visible"/>
+                                      </p:to>
+                                    </p:set>
+                                    <p:animEffect transition="in" filter="fade">
+                                      <p:cBhvr>
+                                        <p:cTn id="34" dur="500"/>
+                                        <p:tgtEl>
+                                          <p:spTgt spid="4">
+                                            <p:txEl>
+                                              <p:pRg st="7" end="7"/>
+                                            </p:txEl>
+                                          </p:spTgt>
+                                        </p:tgtEl>
+                                      </p:cBhvr>
+                                    </p:animEffect>
+                                  </p:childTnLst>
+                                </p:cTn>
+                              </p:par>
+                            </p:childTnLst>
+                          </p:cTn>
+                        </p:par>
+                      </p:childTnLst>
+                    </p:cTn>
+                  </p:par>
+                </p:childTnLst>
+              </p:cTn>
+              <p:prevCondLst>
+                <p:cond evt="onPrev" delay="0">
+                  <p:tgtEl>
+                    <p:sldTgt/>
+                  </p:tgtEl>
+                </p:cond>
+              </p:prevCondLst>
+              <p:nextCondLst>
+                <p:cond evt="onNext" delay="0">
+                  <p:tgtEl>
+                    <p:sldTgt/>
+                  </p:tgtEl>
+                </p:cond>
+              </p:nextCondLst>
+            </p:seq>
+          </p:childTnLst>
+        </p:cTn>
+      </p:par>
+    </p:tnLst>
+  </p:timing>
 </p:sld>
 </file>
 
-<file path=ppt/slides/slide21.xml><?xml version="1.0" encoding="utf-8"?>
+<file path=ppt/slides/slide24.xml><?xml version="1.0" encoding="utf-8"?>
+<p:sld xmlns:a="http://schemas.openxmlformats.org/drawingml/2006/main" xmlns:r="http://schemas.openxmlformats.org/officeDocument/2006/relationships" xmlns:p="http://schemas.openxmlformats.org/presentationml/2006/main">
+  <p:cSld>
+    <p:spTree>
+      <p:nvGrpSpPr>
+        <p:cNvPr id="1" name=""/>
+        <p:cNvGrpSpPr/>
+        <p:nvPr/>
+      </p:nvGrpSpPr>
+      <p:grpSpPr>
+        <a:xfrm>
+          <a:off x="0" y="0"/>
+          <a:ext cx="0" cy="0"/>
+          <a:chOff x="0" y="0"/>
+          <a:chExt cx="0" cy="0"/>
+        </a:xfrm>
+      </p:grpSpPr>
+      <p:sp>
+        <p:nvSpPr>
+          <p:cNvPr id="3" name="Title 2"/>
+          <p:cNvSpPr>
+            <a:spLocks noGrp="1"/>
+          </p:cNvSpPr>
+          <p:nvPr>
+            <p:ph type="title"/>
+          </p:nvPr>
+        </p:nvSpPr>
+        <p:spPr/>
+        <p:txBody>
+          <a:bodyPr/>
+          <a:lstStyle/>
+          <a:p>
+            <a:r>
+              <a:rPr lang="en-US" dirty="0">
+                <a:solidFill>
+                  <a:schemeClr val="accent1"/>
+                </a:solidFill>
+                <a:latin typeface="Calibri"/>
+              </a:rPr>
+              <a:t>Event Logs</a:t>
+            </a:r>
+          </a:p>
+        </p:txBody>
+      </p:sp>
+      <p:pic>
+        <p:nvPicPr>
+          <p:cNvPr id="6" name="Picture 5"/>
+          <p:cNvPicPr>
+            <a:picLocks noChangeAspect="1"/>
+          </p:cNvPicPr>
+          <p:nvPr/>
+        </p:nvPicPr>
+        <p:blipFill>
+          <a:blip r:embed="rId2"/>
+          <a:stretch>
+            <a:fillRect/>
+          </a:stretch>
+        </p:blipFill>
+        <p:spPr>
+          <a:xfrm>
+            <a:off x="1295400" y="764485"/>
+            <a:ext cx="6553200" cy="3869466"/>
+          </a:xfrm>
+          <a:prstGeom prst="rect">
+            <a:avLst/>
+          </a:prstGeom>
+        </p:spPr>
+      </p:pic>
+      <p:pic>
+        <p:nvPicPr>
+          <p:cNvPr id="7" name="Picture 6"/>
+          <p:cNvPicPr>
+            <a:picLocks noChangeAspect="1"/>
+          </p:cNvPicPr>
+          <p:nvPr/>
+        </p:nvPicPr>
+        <p:blipFill>
+          <a:blip r:embed="rId3"/>
+          <a:stretch>
+            <a:fillRect/>
+          </a:stretch>
+        </p:blipFill>
+        <p:spPr>
+          <a:xfrm>
+            <a:off x="849037" y="895350"/>
+            <a:ext cx="7445926" cy="3371850"/>
+          </a:xfrm>
+          <a:prstGeom prst="rect">
+            <a:avLst/>
+          </a:prstGeom>
+        </p:spPr>
+      </p:pic>
+    </p:spTree>
+    <p:extLst>
+      <p:ext uri="{BB962C8B-B14F-4D97-AF65-F5344CB8AC3E}">
+        <p14:creationId xmlns:p14="http://schemas.microsoft.com/office/powerpoint/2010/main" val="3898712486"/>
+      </p:ext>
+    </p:extLst>
+  </p:cSld>
+  <p:clrMapOvr>
+    <a:masterClrMapping/>
+  </p:clrMapOvr>
+  <p:transition/>
+  <p:timing>
+    <p:tnLst>
+      <p:par>
+        <p:cTn id="1" dur="indefinite" restart="never" nodeType="tmRoot">
+          <p:childTnLst>
+            <p:seq concurrent="1" nextAc="seek">
+              <p:cTn id="2" dur="indefinite" nodeType="mainSeq">
+                <p:childTnLst>
+                  <p:par>
+                    <p:cTn id="3" fill="hold">
+                      <p:stCondLst>
+                        <p:cond delay="indefinite"/>
+                      </p:stCondLst>
+                      <p:childTnLst>
+                        <p:par>
+                          <p:cTn id="4" fill="hold">
+                            <p:stCondLst>
+                              <p:cond delay="0"/>
+                            </p:stCondLst>
+                            <p:childTnLst>
+                              <p:par>
+                                <p:cTn id="5" presetID="1" presetClass="exit" presetSubtype="0" fill="hold" nodeType="clickEffect">
+                                  <p:stCondLst>
+                                    <p:cond delay="0"/>
+                                  </p:stCondLst>
+                                  <p:childTnLst>
+                                    <p:set>
+                                      <p:cBhvr>
+                                        <p:cTn id="6" dur="1" fill="hold">
+                                          <p:stCondLst>
+                                            <p:cond delay="0"/>
+                                          </p:stCondLst>
+                                        </p:cTn>
+                                        <p:tgtEl>
+                                          <p:spTgt spid="6"/>
+                                        </p:tgtEl>
+                                        <p:attrNameLst>
+                                          <p:attrName>style.visibility</p:attrName>
+                                        </p:attrNameLst>
+                                      </p:cBhvr>
+                                      <p:to>
+                                        <p:strVal val="hidden"/>
+                                      </p:to>
+                                    </p:set>
+                                  </p:childTnLst>
+                                </p:cTn>
+                              </p:par>
+                              <p:par>
+                                <p:cTn id="7" presetID="10" presetClass="entr" presetSubtype="0" fill="hold" nodeType="withEffect">
+                                  <p:stCondLst>
+                                    <p:cond delay="0"/>
+                                  </p:stCondLst>
+                                  <p:childTnLst>
+                                    <p:set>
+                                      <p:cBhvr>
+                                        <p:cTn id="8" dur="1" fill="hold">
+                                          <p:stCondLst>
+                                            <p:cond delay="0"/>
+                                          </p:stCondLst>
+                                        </p:cTn>
+                                        <p:tgtEl>
+                                          <p:spTgt spid="7"/>
+                                        </p:tgtEl>
+                                        <p:attrNameLst>
+                                          <p:attrName>style.visibility</p:attrName>
+                                        </p:attrNameLst>
+                                      </p:cBhvr>
+                                      <p:to>
+                                        <p:strVal val="visible"/>
+                                      </p:to>
+                                    </p:set>
+                                    <p:animEffect transition="in" filter="fade">
+                                      <p:cBhvr>
+                                        <p:cTn id="9" dur="500"/>
+                                        <p:tgtEl>
+                                          <p:spTgt spid="7"/>
+                                        </p:tgtEl>
+                                      </p:cBhvr>
+                                    </p:animEffect>
+                                  </p:childTnLst>
+                                </p:cTn>
+                              </p:par>
+                            </p:childTnLst>
+                          </p:cTn>
+                        </p:par>
+                      </p:childTnLst>
+                    </p:cTn>
+                  </p:par>
+                </p:childTnLst>
+              </p:cTn>
+              <p:prevCondLst>
+                <p:cond evt="onPrev" delay="0">
+                  <p:tgtEl>
+                    <p:sldTgt/>
+                  </p:tgtEl>
+                </p:cond>
+              </p:prevCondLst>
+              <p:nextCondLst>
+                <p:cond evt="onNext" delay="0">
+                  <p:tgtEl>
+                    <p:sldTgt/>
+                  </p:tgtEl>
+                </p:cond>
+              </p:nextCondLst>
+            </p:seq>
+          </p:childTnLst>
+        </p:cTn>
+      </p:par>
+    </p:tnLst>
+  </p:timing>
+</p:sld>
+</file>
+
+<file path=ppt/slides/slide25.xml><?xml version="1.0" encoding="utf-8"?>
+<p:sld xmlns:a="http://schemas.openxmlformats.org/drawingml/2006/main" xmlns:r="http://schemas.openxmlformats.org/officeDocument/2006/relationships" xmlns:p="http://schemas.openxmlformats.org/presentationml/2006/main">
+  <p:cSld>
+    <p:spTree>
+      <p:nvGrpSpPr>
+        <p:cNvPr id="1" name=""/>
+        <p:cNvGrpSpPr/>
+        <p:nvPr/>
+      </p:nvGrpSpPr>
+      <p:grpSpPr>
+        <a:xfrm>
+          <a:off x="0" y="0"/>
+          <a:ext cx="0" cy="0"/>
+          <a:chOff x="0" y="0"/>
+          <a:chExt cx="0" cy="0"/>
+        </a:xfrm>
+      </p:grpSpPr>
+      <p:sp>
+        <p:nvSpPr>
+          <p:cNvPr id="3" name="Title 2"/>
+          <p:cNvSpPr>
+            <a:spLocks noGrp="1"/>
+          </p:cNvSpPr>
+          <p:nvPr>
+            <p:ph type="title"/>
+          </p:nvPr>
+        </p:nvSpPr>
+        <p:spPr/>
+        <p:txBody>
+          <a:bodyPr/>
+          <a:lstStyle/>
+          <a:p>
+            <a:r>
+              <a:rPr lang="en-US" dirty="0">
+                <a:solidFill>
+                  <a:schemeClr val="accent1"/>
+                </a:solidFill>
+                <a:latin typeface="Calibri"/>
+              </a:rPr>
+              <a:t>DSC Environment Analyzer (DSCEA)</a:t>
+            </a:r>
+          </a:p>
+        </p:txBody>
+      </p:sp>
+      <p:sp>
+        <p:nvSpPr>
+          <p:cNvPr id="4" name="Text Placeholder 3"/>
+          <p:cNvSpPr>
+            <a:spLocks noGrp="1"/>
+          </p:cNvSpPr>
+          <p:nvPr>
+            <p:ph type="body" idx="1"/>
+          </p:nvPr>
+        </p:nvSpPr>
+        <p:spPr>
+          <a:xfrm>
+            <a:off x="457200" y="1028700"/>
+            <a:ext cx="4191000" cy="3524250"/>
+          </a:xfrm>
+        </p:spPr>
+        <p:txBody>
+          <a:bodyPr/>
+          <a:lstStyle/>
+          <a:p>
+            <a:r>
+              <a:rPr lang="en-US" dirty="0"/>
+              <a:t>timw.info/</a:t>
+            </a:r>
+            <a:r>
+              <a:rPr lang="en-US" dirty="0" err="1"/>
+              <a:t>dscea</a:t>
+            </a:r>
+            <a:endParaRPr lang="en-US" dirty="0"/>
+          </a:p>
+        </p:txBody>
+      </p:sp>
+      <p:pic>
+        <p:nvPicPr>
+          <p:cNvPr id="1026" name="Picture 2" descr="https://raw.githubusercontent.com/Microsoft/DSCEA/master/docs/images/PowerBIHome_Large.png"/>
+          <p:cNvPicPr>
+            <a:picLocks noChangeAspect="1" noChangeArrowheads="1"/>
+          </p:cNvPicPr>
+          <p:nvPr/>
+        </p:nvPicPr>
+        <p:blipFill>
+          <a:blip r:embed="rId2" cstate="print">
+            <a:extLst>
+              <a:ext uri="{28A0092B-C50C-407E-A947-70E740481C1C}">
+                <a14:useLocalDpi xmlns:a14="http://schemas.microsoft.com/office/drawing/2010/main" val="0"/>
+              </a:ext>
+            </a:extLst>
+          </a:blip>
+          <a:srcRect/>
+          <a:stretch>
+            <a:fillRect/>
+          </a:stretch>
+        </p:blipFill>
+        <p:spPr bwMode="auto">
+          <a:xfrm>
+            <a:off x="3352800" y="1123950"/>
+            <a:ext cx="5655733" cy="3181350"/>
+          </a:xfrm>
+          <a:prstGeom prst="rect">
+            <a:avLst/>
+          </a:prstGeom>
+          <a:noFill/>
+          <a:extLst>
+            <a:ext uri="{909E8E84-426E-40DD-AFC4-6F175D3DCCD1}">
+              <a14:hiddenFill xmlns:a14="http://schemas.microsoft.com/office/drawing/2010/main">
+                <a:solidFill>
+                  <a:srgbClr val="FFFFFF"/>
+                </a:solidFill>
+              </a14:hiddenFill>
+            </a:ext>
+          </a:extLst>
+        </p:spPr>
+      </p:pic>
+    </p:spTree>
+    <p:extLst>
+      <p:ext uri="{BB962C8B-B14F-4D97-AF65-F5344CB8AC3E}">
+        <p14:creationId xmlns:p14="http://schemas.microsoft.com/office/powerpoint/2010/main" val="3635712513"/>
+      </p:ext>
+    </p:extLst>
+  </p:cSld>
+  <p:clrMapOvr>
+    <a:masterClrMapping/>
+  </p:clrMapOvr>
+  <p:transition/>
+</p:sld>
+</file>
+
+<file path=ppt/slides/slide26.xml><?xml version="1.0" encoding="utf-8"?>
 <p:sld xmlns:a="http://schemas.openxmlformats.org/drawingml/2006/main" xmlns:r="http://schemas.openxmlformats.org/officeDocument/2006/relationships" xmlns:p="http://schemas.openxmlformats.org/presentationml/2006/main">
   <p:cSld>
     <p:spTree>
@@ -9374,7 +10687,7 @@
 </p:sld>
 </file>
 
-<file path=ppt/slides/slide22.xml><?xml version="1.0" encoding="utf-8"?>
+<file path=ppt/slides/slide27.xml><?xml version="1.0" encoding="utf-8"?>
 <p:sld xmlns:a="http://schemas.openxmlformats.org/drawingml/2006/main" xmlns:r="http://schemas.openxmlformats.org/officeDocument/2006/relationships" xmlns:p="http://schemas.openxmlformats.org/presentationml/2006/main">
   <p:cSld>
     <p:spTree>
@@ -9709,7 +11022,7 @@
 </p:sld>
 </file>
 
-<file path=ppt/slides/slide23.xml><?xml version="1.0" encoding="utf-8"?>
+<file path=ppt/slides/slide28.xml><?xml version="1.0" encoding="utf-8"?>
 <p:sld xmlns:a="http://schemas.openxmlformats.org/drawingml/2006/main" xmlns:r="http://schemas.openxmlformats.org/officeDocument/2006/relationships" xmlns:p="http://schemas.openxmlformats.org/presentationml/2006/main">
   <p:cSld>
     <p:spTree>
@@ -10598,7 +11911,7 @@
                 </a:solidFill>
                 <a:latin typeface="+mj-lt"/>
               </a:rPr>
-              <a:t>IETF, WMI, CIM, WS-Man</a:t>
+              <a:t>Acronym Alphabet Soup!</a:t>
             </a:r>
           </a:p>
         </p:txBody>
@@ -10636,7 +11949,7 @@
         <p:spPr bwMode="auto">
           <a:xfrm>
             <a:off x="4343400" y="1733550"/>
-            <a:ext cx="3962400" cy="609600"/>
+            <a:ext cx="4267200" cy="609600"/>
           </a:xfrm>
           <a:prstGeom prst="roundRect">
             <a:avLst/>
@@ -10777,7 +12090,7 @@
         <p:spPr bwMode="auto">
           <a:xfrm>
             <a:off x="4343400" y="3333750"/>
-            <a:ext cx="3962400" cy="609600"/>
+            <a:ext cx="4267200" cy="609600"/>
           </a:xfrm>
           <a:prstGeom prst="roundRect">
             <a:avLst/>
@@ -10807,10 +12120,16 @@
           <a:p>
             <a:pPr algn="ctr"/>
             <a:r>
+              <a:rPr lang="en-US" sz="2000" dirty="0" err="1">
+                <a:latin typeface="+mj-lt"/>
+              </a:rPr>
+              <a:t>WinRM</a:t>
+            </a:r>
+            <a:r>
               <a:rPr lang="en-US" sz="2000" dirty="0">
                 <a:latin typeface="+mj-lt"/>
               </a:rPr>
-              <a:t>OMI is Linux’ CIM server</a:t>
+              <a:t> is Windows’ WS-Man provider</a:t>
             </a:r>
           </a:p>
         </p:txBody>
@@ -10854,16 +12173,10 @@
           <a:p>
             <a:pPr algn="ctr"/>
             <a:r>
-              <a:rPr lang="en-US" sz="2000" dirty="0" err="1">
-                <a:latin typeface="+mj-lt"/>
-              </a:rPr>
-              <a:t>WinRM</a:t>
-            </a:r>
-            <a:r>
               <a:rPr lang="en-US" sz="2000" dirty="0">
                 <a:latin typeface="+mj-lt"/>
               </a:rPr>
-              <a:t> is Windows’ WS-Man provider</a:t>
+              <a:t>PSRP is Linux’ WS-Man provider</a:t>
             </a:r>
           </a:p>
         </p:txBody>
@@ -12693,6 +14006,219 @@
       </p:grpSpPr>
       <p:sp>
         <p:nvSpPr>
+          <p:cNvPr id="5" name="Text Placeholder 4"/>
+          <p:cNvSpPr>
+            <a:spLocks noGrp="1"/>
+          </p:cNvSpPr>
+          <p:nvPr>
+            <p:ph type="body" sz="quarter" idx="10"/>
+          </p:nvPr>
+        </p:nvSpPr>
+        <p:spPr/>
+        <p:txBody>
+          <a:bodyPr/>
+          <a:lstStyle/>
+          <a:p>
+            <a:pPr marL="0" indent="0">
+              <a:buNone/>
+            </a:pPr>
+            <a:r>
+              <a:rPr lang="en-US" dirty="0">
+                <a:latin typeface="+mj-lt"/>
+              </a:rPr>
+              <a:t>Group Policy</a:t>
+            </a:r>
+          </a:p>
+        </p:txBody>
+      </p:sp>
+      <p:sp>
+        <p:nvSpPr>
+          <p:cNvPr id="6" name="Text Placeholder 5"/>
+          <p:cNvSpPr>
+            <a:spLocks noGrp="1"/>
+          </p:cNvSpPr>
+          <p:nvPr>
+            <p:ph type="body" sz="quarter" idx="15"/>
+          </p:nvPr>
+        </p:nvSpPr>
+        <p:spPr/>
+        <p:txBody>
+          <a:bodyPr/>
+          <a:lstStyle/>
+          <a:p>
+            <a:r>
+              <a:rPr lang="en-US" sz="1800" dirty="0">
+                <a:latin typeface="+mj-lt"/>
+              </a:rPr>
+              <a:t>Requires AD</a:t>
+            </a:r>
+          </a:p>
+          <a:p>
+            <a:r>
+              <a:rPr lang="en-US" sz="1800" dirty="0">
+                <a:latin typeface="+mj-lt"/>
+              </a:rPr>
+              <a:t>No OS dependencies</a:t>
+            </a:r>
+          </a:p>
+          <a:p>
+            <a:r>
+              <a:rPr lang="en-US" sz="1800" dirty="0">
+                <a:latin typeface="+mj-lt"/>
+              </a:rPr>
+              <a:t>Prevents OS changes</a:t>
+            </a:r>
+          </a:p>
+          <a:p>
+            <a:r>
+              <a:rPr lang="en-US" sz="1800" dirty="0">
+                <a:latin typeface="+mj-lt"/>
+              </a:rPr>
+              <a:t>GUI reliance (</a:t>
+            </a:r>
+            <a:r>
+              <a:rPr lang="en-US" sz="1800" dirty="0" err="1">
+                <a:latin typeface="+mj-lt"/>
+              </a:rPr>
+              <a:t>GPMC.msc</a:t>
+            </a:r>
+            <a:r>
+              <a:rPr lang="en-US" sz="1800" dirty="0">
+                <a:latin typeface="+mj-lt"/>
+              </a:rPr>
+              <a:t>)</a:t>
+            </a:r>
+          </a:p>
+          <a:p>
+            <a:r>
+              <a:rPr lang="en-US" sz="1800" dirty="0">
+                <a:latin typeface="+mj-lt"/>
+              </a:rPr>
+              <a:t>Excels at desktop mgmt.</a:t>
+            </a:r>
+          </a:p>
+          <a:p>
+            <a:r>
+              <a:rPr lang="en-US" sz="1800" dirty="0">
+                <a:latin typeface="+mj-lt"/>
+              </a:rPr>
+              <a:t>Not DevOps friendly</a:t>
+            </a:r>
+          </a:p>
+          <a:p>
+            <a:r>
+              <a:rPr lang="en-US" sz="1800" dirty="0">
+                <a:latin typeface="+mj-lt"/>
+              </a:rPr>
+              <a:t>“Black box”</a:t>
+            </a:r>
+            <a:endParaRPr lang="en-US" dirty="0">
+              <a:latin typeface="+mj-lt"/>
+            </a:endParaRPr>
+          </a:p>
+        </p:txBody>
+      </p:sp>
+      <p:sp>
+        <p:nvSpPr>
+          <p:cNvPr id="7" name="Text Placeholder 6"/>
+          <p:cNvSpPr>
+            <a:spLocks noGrp="1"/>
+          </p:cNvSpPr>
+          <p:nvPr>
+            <p:ph type="body" sz="quarter" idx="16"/>
+          </p:nvPr>
+        </p:nvSpPr>
+        <p:spPr/>
+        <p:txBody>
+          <a:bodyPr/>
+          <a:lstStyle/>
+          <a:p>
+            <a:pPr marL="0" indent="0">
+              <a:buNone/>
+            </a:pPr>
+            <a:r>
+              <a:rPr lang="en-US" dirty="0">
+                <a:latin typeface="+mj-lt"/>
+              </a:rPr>
+              <a:t>Desired State Configuration</a:t>
+            </a:r>
+          </a:p>
+        </p:txBody>
+      </p:sp>
+      <p:sp>
+        <p:nvSpPr>
+          <p:cNvPr id="8" name="Text Placeholder 7"/>
+          <p:cNvSpPr>
+            <a:spLocks noGrp="1"/>
+          </p:cNvSpPr>
+          <p:nvPr>
+            <p:ph type="body" sz="quarter" idx="17"/>
+          </p:nvPr>
+        </p:nvSpPr>
+        <p:spPr/>
+        <p:txBody>
+          <a:bodyPr/>
+          <a:lstStyle/>
+          <a:p>
+            <a:r>
+              <a:rPr lang="en-US" sz="1800" dirty="0">
+                <a:latin typeface="+mj-lt"/>
+              </a:rPr>
+              <a:t>No directory service dependency</a:t>
+            </a:r>
+          </a:p>
+          <a:p>
+            <a:r>
+              <a:rPr lang="en-US" sz="1800" dirty="0">
+                <a:latin typeface="+mj-lt"/>
+              </a:rPr>
+              <a:t>WMF 4.0 or 5.x</a:t>
+            </a:r>
+          </a:p>
+          <a:p>
+            <a:r>
+              <a:rPr lang="en-US" sz="1800" dirty="0">
+                <a:latin typeface="+mj-lt"/>
+              </a:rPr>
+              <a:t>Reverts OS changes</a:t>
+            </a:r>
+          </a:p>
+          <a:p>
+            <a:r>
+              <a:rPr lang="en-US" sz="1800" dirty="0">
+                <a:latin typeface="+mj-lt"/>
+              </a:rPr>
+              <a:t>Complete automation</a:t>
+            </a:r>
+          </a:p>
+          <a:p>
+            <a:r>
+              <a:rPr lang="en-US" sz="1800" dirty="0">
+                <a:latin typeface="+mj-lt"/>
+              </a:rPr>
+              <a:t>Intended for Win/Lin servers</a:t>
+            </a:r>
+          </a:p>
+          <a:p>
+            <a:r>
+              <a:rPr lang="en-US" sz="1800" dirty="0">
+                <a:latin typeface="+mj-lt"/>
+              </a:rPr>
+              <a:t>Fully supports CI/CD</a:t>
+            </a:r>
+          </a:p>
+          <a:p>
+            <a:r>
+              <a:rPr lang="en-US" sz="1800" dirty="0">
+                <a:latin typeface="+mj-lt"/>
+              </a:rPr>
+              <a:t>Open source with community support</a:t>
+            </a:r>
+          </a:p>
+        </p:txBody>
+      </p:sp>
+      <p:sp>
+        <p:nvSpPr>
           <p:cNvPr id="4" name="Title 3"/>
           <p:cNvSpPr>
             <a:spLocks noGrp="1"/>
@@ -12707,8 +14233,12 @@
           <a:lstStyle/>
           <a:p>
             <a:r>
-              <a:rPr lang="en-US" dirty="0"/>
-              <a:t>Local Configuration Manager (LCM)</a:t>
+              <a:rPr lang="en-US" dirty="0">
+                <a:solidFill>
+                  <a:schemeClr val="accent1"/>
+                </a:solidFill>
+              </a:rPr>
+              <a:t>GP vs. DSC</a:t>
             </a:r>
           </a:p>
         </p:txBody>
@@ -12716,13 +14246,771 @@
     </p:spTree>
     <p:extLst>
       <p:ext uri="{BB962C8B-B14F-4D97-AF65-F5344CB8AC3E}">
-        <p14:creationId xmlns:p14="http://schemas.microsoft.com/office/powerpoint/2010/main" val="503603499"/>
+        <p14:creationId xmlns:p14="http://schemas.microsoft.com/office/powerpoint/2010/main" val="2873155500"/>
       </p:ext>
     </p:extLst>
   </p:cSld>
   <p:clrMapOvr>
     <a:masterClrMapping/>
   </p:clrMapOvr>
+  <p:timing>
+    <p:tnLst>
+      <p:par>
+        <p:cTn id="1" dur="indefinite" restart="never" nodeType="tmRoot">
+          <p:childTnLst>
+            <p:seq concurrent="1" nextAc="seek">
+              <p:cTn id="2" dur="indefinite" nodeType="mainSeq">
+                <p:childTnLst>
+                  <p:par>
+                    <p:cTn id="3" fill="hold">
+                      <p:stCondLst>
+                        <p:cond delay="indefinite"/>
+                      </p:stCondLst>
+                      <p:childTnLst>
+                        <p:par>
+                          <p:cTn id="4" fill="hold">
+                            <p:stCondLst>
+                              <p:cond delay="0"/>
+                            </p:stCondLst>
+                            <p:childTnLst>
+                              <p:par>
+                                <p:cTn id="5" presetID="10" presetClass="entr" presetSubtype="0" fill="hold" nodeType="clickEffect">
+                                  <p:stCondLst>
+                                    <p:cond delay="0"/>
+                                  </p:stCondLst>
+                                  <p:childTnLst>
+                                    <p:set>
+                                      <p:cBhvr>
+                                        <p:cTn id="6" dur="1" fill="hold">
+                                          <p:stCondLst>
+                                            <p:cond delay="0"/>
+                                          </p:stCondLst>
+                                        </p:cTn>
+                                        <p:tgtEl>
+                                          <p:spTgt spid="6">
+                                            <p:txEl>
+                                              <p:pRg st="0" end="0"/>
+                                            </p:txEl>
+                                          </p:spTgt>
+                                        </p:tgtEl>
+                                        <p:attrNameLst>
+                                          <p:attrName>style.visibility</p:attrName>
+                                        </p:attrNameLst>
+                                      </p:cBhvr>
+                                      <p:to>
+                                        <p:strVal val="visible"/>
+                                      </p:to>
+                                    </p:set>
+                                    <p:animEffect transition="in" filter="fade">
+                                      <p:cBhvr>
+                                        <p:cTn id="7" dur="500"/>
+                                        <p:tgtEl>
+                                          <p:spTgt spid="6">
+                                            <p:txEl>
+                                              <p:pRg st="0" end="0"/>
+                                            </p:txEl>
+                                          </p:spTgt>
+                                        </p:tgtEl>
+                                      </p:cBhvr>
+                                    </p:animEffect>
+                                  </p:childTnLst>
+                                </p:cTn>
+                              </p:par>
+                              <p:par>
+                                <p:cTn id="8" presetID="10" presetClass="entr" presetSubtype="0" fill="hold" nodeType="withEffect">
+                                  <p:stCondLst>
+                                    <p:cond delay="0"/>
+                                  </p:stCondLst>
+                                  <p:childTnLst>
+                                    <p:set>
+                                      <p:cBhvr>
+                                        <p:cTn id="9" dur="1" fill="hold">
+                                          <p:stCondLst>
+                                            <p:cond delay="0"/>
+                                          </p:stCondLst>
+                                        </p:cTn>
+                                        <p:tgtEl>
+                                          <p:spTgt spid="8">
+                                            <p:txEl>
+                                              <p:pRg st="0" end="0"/>
+                                            </p:txEl>
+                                          </p:spTgt>
+                                        </p:tgtEl>
+                                        <p:attrNameLst>
+                                          <p:attrName>style.visibility</p:attrName>
+                                        </p:attrNameLst>
+                                      </p:cBhvr>
+                                      <p:to>
+                                        <p:strVal val="visible"/>
+                                      </p:to>
+                                    </p:set>
+                                    <p:animEffect transition="in" filter="fade">
+                                      <p:cBhvr>
+                                        <p:cTn id="10" dur="500"/>
+                                        <p:tgtEl>
+                                          <p:spTgt spid="8">
+                                            <p:txEl>
+                                              <p:pRg st="0" end="0"/>
+                                            </p:txEl>
+                                          </p:spTgt>
+                                        </p:tgtEl>
+                                      </p:cBhvr>
+                                    </p:animEffect>
+                                  </p:childTnLst>
+                                </p:cTn>
+                              </p:par>
+                            </p:childTnLst>
+                          </p:cTn>
+                        </p:par>
+                      </p:childTnLst>
+                    </p:cTn>
+                  </p:par>
+                  <p:par>
+                    <p:cTn id="11" fill="hold">
+                      <p:stCondLst>
+                        <p:cond delay="indefinite"/>
+                      </p:stCondLst>
+                      <p:childTnLst>
+                        <p:par>
+                          <p:cTn id="12" fill="hold">
+                            <p:stCondLst>
+                              <p:cond delay="0"/>
+                            </p:stCondLst>
+                            <p:childTnLst>
+                              <p:par>
+                                <p:cTn id="13" presetID="10" presetClass="entr" presetSubtype="0" fill="hold" nodeType="clickEffect">
+                                  <p:stCondLst>
+                                    <p:cond delay="0"/>
+                                  </p:stCondLst>
+                                  <p:childTnLst>
+                                    <p:set>
+                                      <p:cBhvr>
+                                        <p:cTn id="14" dur="1" fill="hold">
+                                          <p:stCondLst>
+                                            <p:cond delay="0"/>
+                                          </p:stCondLst>
+                                        </p:cTn>
+                                        <p:tgtEl>
+                                          <p:spTgt spid="6">
+                                            <p:txEl>
+                                              <p:pRg st="1" end="1"/>
+                                            </p:txEl>
+                                          </p:spTgt>
+                                        </p:tgtEl>
+                                        <p:attrNameLst>
+                                          <p:attrName>style.visibility</p:attrName>
+                                        </p:attrNameLst>
+                                      </p:cBhvr>
+                                      <p:to>
+                                        <p:strVal val="visible"/>
+                                      </p:to>
+                                    </p:set>
+                                    <p:animEffect transition="in" filter="fade">
+                                      <p:cBhvr>
+                                        <p:cTn id="15" dur="500"/>
+                                        <p:tgtEl>
+                                          <p:spTgt spid="6">
+                                            <p:txEl>
+                                              <p:pRg st="1" end="1"/>
+                                            </p:txEl>
+                                          </p:spTgt>
+                                        </p:tgtEl>
+                                      </p:cBhvr>
+                                    </p:animEffect>
+                                  </p:childTnLst>
+                                </p:cTn>
+                              </p:par>
+                              <p:par>
+                                <p:cTn id="16" presetID="10" presetClass="entr" presetSubtype="0" fill="hold" nodeType="withEffect">
+                                  <p:stCondLst>
+                                    <p:cond delay="0"/>
+                                  </p:stCondLst>
+                                  <p:childTnLst>
+                                    <p:set>
+                                      <p:cBhvr>
+                                        <p:cTn id="17" dur="1" fill="hold">
+                                          <p:stCondLst>
+                                            <p:cond delay="0"/>
+                                          </p:stCondLst>
+                                        </p:cTn>
+                                        <p:tgtEl>
+                                          <p:spTgt spid="8">
+                                            <p:txEl>
+                                              <p:pRg st="1" end="1"/>
+                                            </p:txEl>
+                                          </p:spTgt>
+                                        </p:tgtEl>
+                                        <p:attrNameLst>
+                                          <p:attrName>style.visibility</p:attrName>
+                                        </p:attrNameLst>
+                                      </p:cBhvr>
+                                      <p:to>
+                                        <p:strVal val="visible"/>
+                                      </p:to>
+                                    </p:set>
+                                    <p:animEffect transition="in" filter="fade">
+                                      <p:cBhvr>
+                                        <p:cTn id="18" dur="500"/>
+                                        <p:tgtEl>
+                                          <p:spTgt spid="8">
+                                            <p:txEl>
+                                              <p:pRg st="1" end="1"/>
+                                            </p:txEl>
+                                          </p:spTgt>
+                                        </p:tgtEl>
+                                      </p:cBhvr>
+                                    </p:animEffect>
+                                  </p:childTnLst>
+                                </p:cTn>
+                              </p:par>
+                            </p:childTnLst>
+                          </p:cTn>
+                        </p:par>
+                      </p:childTnLst>
+                    </p:cTn>
+                  </p:par>
+                  <p:par>
+                    <p:cTn id="19" fill="hold">
+                      <p:stCondLst>
+                        <p:cond delay="indefinite"/>
+                      </p:stCondLst>
+                      <p:childTnLst>
+                        <p:par>
+                          <p:cTn id="20" fill="hold">
+                            <p:stCondLst>
+                              <p:cond delay="0"/>
+                            </p:stCondLst>
+                            <p:childTnLst>
+                              <p:par>
+                                <p:cTn id="21" presetID="10" presetClass="entr" presetSubtype="0" fill="hold" nodeType="clickEffect">
+                                  <p:stCondLst>
+                                    <p:cond delay="0"/>
+                                  </p:stCondLst>
+                                  <p:childTnLst>
+                                    <p:set>
+                                      <p:cBhvr>
+                                        <p:cTn id="22" dur="1" fill="hold">
+                                          <p:stCondLst>
+                                            <p:cond delay="0"/>
+                                          </p:stCondLst>
+                                        </p:cTn>
+                                        <p:tgtEl>
+                                          <p:spTgt spid="6">
+                                            <p:txEl>
+                                              <p:pRg st="2" end="2"/>
+                                            </p:txEl>
+                                          </p:spTgt>
+                                        </p:tgtEl>
+                                        <p:attrNameLst>
+                                          <p:attrName>style.visibility</p:attrName>
+                                        </p:attrNameLst>
+                                      </p:cBhvr>
+                                      <p:to>
+                                        <p:strVal val="visible"/>
+                                      </p:to>
+                                    </p:set>
+                                    <p:animEffect transition="in" filter="fade">
+                                      <p:cBhvr>
+                                        <p:cTn id="23" dur="500"/>
+                                        <p:tgtEl>
+                                          <p:spTgt spid="6">
+                                            <p:txEl>
+                                              <p:pRg st="2" end="2"/>
+                                            </p:txEl>
+                                          </p:spTgt>
+                                        </p:tgtEl>
+                                      </p:cBhvr>
+                                    </p:animEffect>
+                                  </p:childTnLst>
+                                </p:cTn>
+                              </p:par>
+                              <p:par>
+                                <p:cTn id="24" presetID="10" presetClass="entr" presetSubtype="0" fill="hold" nodeType="withEffect">
+                                  <p:stCondLst>
+                                    <p:cond delay="0"/>
+                                  </p:stCondLst>
+                                  <p:childTnLst>
+                                    <p:set>
+                                      <p:cBhvr>
+                                        <p:cTn id="25" dur="1" fill="hold">
+                                          <p:stCondLst>
+                                            <p:cond delay="0"/>
+                                          </p:stCondLst>
+                                        </p:cTn>
+                                        <p:tgtEl>
+                                          <p:spTgt spid="8">
+                                            <p:txEl>
+                                              <p:pRg st="2" end="2"/>
+                                            </p:txEl>
+                                          </p:spTgt>
+                                        </p:tgtEl>
+                                        <p:attrNameLst>
+                                          <p:attrName>style.visibility</p:attrName>
+                                        </p:attrNameLst>
+                                      </p:cBhvr>
+                                      <p:to>
+                                        <p:strVal val="visible"/>
+                                      </p:to>
+                                    </p:set>
+                                    <p:animEffect transition="in" filter="fade">
+                                      <p:cBhvr>
+                                        <p:cTn id="26" dur="500"/>
+                                        <p:tgtEl>
+                                          <p:spTgt spid="8">
+                                            <p:txEl>
+                                              <p:pRg st="2" end="2"/>
+                                            </p:txEl>
+                                          </p:spTgt>
+                                        </p:tgtEl>
+                                      </p:cBhvr>
+                                    </p:animEffect>
+                                  </p:childTnLst>
+                                </p:cTn>
+                              </p:par>
+                            </p:childTnLst>
+                          </p:cTn>
+                        </p:par>
+                      </p:childTnLst>
+                    </p:cTn>
+                  </p:par>
+                  <p:par>
+                    <p:cTn id="27" fill="hold">
+                      <p:stCondLst>
+                        <p:cond delay="indefinite"/>
+                      </p:stCondLst>
+                      <p:childTnLst>
+                        <p:par>
+                          <p:cTn id="28" fill="hold">
+                            <p:stCondLst>
+                              <p:cond delay="0"/>
+                            </p:stCondLst>
+                            <p:childTnLst>
+                              <p:par>
+                                <p:cTn id="29" presetID="10" presetClass="entr" presetSubtype="0" fill="hold" nodeType="clickEffect">
+                                  <p:stCondLst>
+                                    <p:cond delay="0"/>
+                                  </p:stCondLst>
+                                  <p:childTnLst>
+                                    <p:set>
+                                      <p:cBhvr>
+                                        <p:cTn id="30" dur="1" fill="hold">
+                                          <p:stCondLst>
+                                            <p:cond delay="0"/>
+                                          </p:stCondLst>
+                                        </p:cTn>
+                                        <p:tgtEl>
+                                          <p:spTgt spid="6">
+                                            <p:txEl>
+                                              <p:pRg st="3" end="3"/>
+                                            </p:txEl>
+                                          </p:spTgt>
+                                        </p:tgtEl>
+                                        <p:attrNameLst>
+                                          <p:attrName>style.visibility</p:attrName>
+                                        </p:attrNameLst>
+                                      </p:cBhvr>
+                                      <p:to>
+                                        <p:strVal val="visible"/>
+                                      </p:to>
+                                    </p:set>
+                                    <p:animEffect transition="in" filter="fade">
+                                      <p:cBhvr>
+                                        <p:cTn id="31" dur="500"/>
+                                        <p:tgtEl>
+                                          <p:spTgt spid="6">
+                                            <p:txEl>
+                                              <p:pRg st="3" end="3"/>
+                                            </p:txEl>
+                                          </p:spTgt>
+                                        </p:tgtEl>
+                                      </p:cBhvr>
+                                    </p:animEffect>
+                                  </p:childTnLst>
+                                </p:cTn>
+                              </p:par>
+                              <p:par>
+                                <p:cTn id="32" presetID="10" presetClass="entr" presetSubtype="0" fill="hold" nodeType="withEffect">
+                                  <p:stCondLst>
+                                    <p:cond delay="0"/>
+                                  </p:stCondLst>
+                                  <p:childTnLst>
+                                    <p:set>
+                                      <p:cBhvr>
+                                        <p:cTn id="33" dur="1" fill="hold">
+                                          <p:stCondLst>
+                                            <p:cond delay="0"/>
+                                          </p:stCondLst>
+                                        </p:cTn>
+                                        <p:tgtEl>
+                                          <p:spTgt spid="8">
+                                            <p:txEl>
+                                              <p:pRg st="3" end="3"/>
+                                            </p:txEl>
+                                          </p:spTgt>
+                                        </p:tgtEl>
+                                        <p:attrNameLst>
+                                          <p:attrName>style.visibility</p:attrName>
+                                        </p:attrNameLst>
+                                      </p:cBhvr>
+                                      <p:to>
+                                        <p:strVal val="visible"/>
+                                      </p:to>
+                                    </p:set>
+                                    <p:animEffect transition="in" filter="fade">
+                                      <p:cBhvr>
+                                        <p:cTn id="34" dur="500"/>
+                                        <p:tgtEl>
+                                          <p:spTgt spid="8">
+                                            <p:txEl>
+                                              <p:pRg st="3" end="3"/>
+                                            </p:txEl>
+                                          </p:spTgt>
+                                        </p:tgtEl>
+                                      </p:cBhvr>
+                                    </p:animEffect>
+                                  </p:childTnLst>
+                                </p:cTn>
+                              </p:par>
+                            </p:childTnLst>
+                          </p:cTn>
+                        </p:par>
+                      </p:childTnLst>
+                    </p:cTn>
+                  </p:par>
+                  <p:par>
+                    <p:cTn id="35" fill="hold">
+                      <p:stCondLst>
+                        <p:cond delay="indefinite"/>
+                      </p:stCondLst>
+                      <p:childTnLst>
+                        <p:par>
+                          <p:cTn id="36" fill="hold">
+                            <p:stCondLst>
+                              <p:cond delay="0"/>
+                            </p:stCondLst>
+                            <p:childTnLst>
+                              <p:par>
+                                <p:cTn id="37" presetID="10" presetClass="entr" presetSubtype="0" fill="hold" nodeType="clickEffect">
+                                  <p:stCondLst>
+                                    <p:cond delay="0"/>
+                                  </p:stCondLst>
+                                  <p:childTnLst>
+                                    <p:set>
+                                      <p:cBhvr>
+                                        <p:cTn id="38" dur="1" fill="hold">
+                                          <p:stCondLst>
+                                            <p:cond delay="0"/>
+                                          </p:stCondLst>
+                                        </p:cTn>
+                                        <p:tgtEl>
+                                          <p:spTgt spid="6">
+                                            <p:txEl>
+                                              <p:pRg st="4" end="4"/>
+                                            </p:txEl>
+                                          </p:spTgt>
+                                        </p:tgtEl>
+                                        <p:attrNameLst>
+                                          <p:attrName>style.visibility</p:attrName>
+                                        </p:attrNameLst>
+                                      </p:cBhvr>
+                                      <p:to>
+                                        <p:strVal val="visible"/>
+                                      </p:to>
+                                    </p:set>
+                                    <p:animEffect transition="in" filter="fade">
+                                      <p:cBhvr>
+                                        <p:cTn id="39" dur="500"/>
+                                        <p:tgtEl>
+                                          <p:spTgt spid="6">
+                                            <p:txEl>
+                                              <p:pRg st="4" end="4"/>
+                                            </p:txEl>
+                                          </p:spTgt>
+                                        </p:tgtEl>
+                                      </p:cBhvr>
+                                    </p:animEffect>
+                                  </p:childTnLst>
+                                </p:cTn>
+                              </p:par>
+                              <p:par>
+                                <p:cTn id="40" presetID="10" presetClass="entr" presetSubtype="0" fill="hold" nodeType="withEffect">
+                                  <p:stCondLst>
+                                    <p:cond delay="0"/>
+                                  </p:stCondLst>
+                                  <p:childTnLst>
+                                    <p:set>
+                                      <p:cBhvr>
+                                        <p:cTn id="41" dur="1" fill="hold">
+                                          <p:stCondLst>
+                                            <p:cond delay="0"/>
+                                          </p:stCondLst>
+                                        </p:cTn>
+                                        <p:tgtEl>
+                                          <p:spTgt spid="8">
+                                            <p:txEl>
+                                              <p:pRg st="4" end="4"/>
+                                            </p:txEl>
+                                          </p:spTgt>
+                                        </p:tgtEl>
+                                        <p:attrNameLst>
+                                          <p:attrName>style.visibility</p:attrName>
+                                        </p:attrNameLst>
+                                      </p:cBhvr>
+                                      <p:to>
+                                        <p:strVal val="visible"/>
+                                      </p:to>
+                                    </p:set>
+                                    <p:animEffect transition="in" filter="fade">
+                                      <p:cBhvr>
+                                        <p:cTn id="42" dur="500"/>
+                                        <p:tgtEl>
+                                          <p:spTgt spid="8">
+                                            <p:txEl>
+                                              <p:pRg st="4" end="4"/>
+                                            </p:txEl>
+                                          </p:spTgt>
+                                        </p:tgtEl>
+                                      </p:cBhvr>
+                                    </p:animEffect>
+                                  </p:childTnLst>
+                                </p:cTn>
+                              </p:par>
+                            </p:childTnLst>
+                          </p:cTn>
+                        </p:par>
+                      </p:childTnLst>
+                    </p:cTn>
+                  </p:par>
+                  <p:par>
+                    <p:cTn id="43" fill="hold">
+                      <p:stCondLst>
+                        <p:cond delay="indefinite"/>
+                      </p:stCondLst>
+                      <p:childTnLst>
+                        <p:par>
+                          <p:cTn id="44" fill="hold">
+                            <p:stCondLst>
+                              <p:cond delay="0"/>
+                            </p:stCondLst>
+                            <p:childTnLst>
+                              <p:par>
+                                <p:cTn id="45" presetID="10" presetClass="entr" presetSubtype="0" fill="hold" nodeType="clickEffect">
+                                  <p:stCondLst>
+                                    <p:cond delay="0"/>
+                                  </p:stCondLst>
+                                  <p:childTnLst>
+                                    <p:set>
+                                      <p:cBhvr>
+                                        <p:cTn id="46" dur="1" fill="hold">
+                                          <p:stCondLst>
+                                            <p:cond delay="0"/>
+                                          </p:stCondLst>
+                                        </p:cTn>
+                                        <p:tgtEl>
+                                          <p:spTgt spid="6">
+                                            <p:txEl>
+                                              <p:pRg st="5" end="5"/>
+                                            </p:txEl>
+                                          </p:spTgt>
+                                        </p:tgtEl>
+                                        <p:attrNameLst>
+                                          <p:attrName>style.visibility</p:attrName>
+                                        </p:attrNameLst>
+                                      </p:cBhvr>
+                                      <p:to>
+                                        <p:strVal val="visible"/>
+                                      </p:to>
+                                    </p:set>
+                                    <p:animEffect transition="in" filter="fade">
+                                      <p:cBhvr>
+                                        <p:cTn id="47" dur="500"/>
+                                        <p:tgtEl>
+                                          <p:spTgt spid="6">
+                                            <p:txEl>
+                                              <p:pRg st="5" end="5"/>
+                                            </p:txEl>
+                                          </p:spTgt>
+                                        </p:tgtEl>
+                                      </p:cBhvr>
+                                    </p:animEffect>
+                                  </p:childTnLst>
+                                </p:cTn>
+                              </p:par>
+                              <p:par>
+                                <p:cTn id="48" presetID="10" presetClass="entr" presetSubtype="0" fill="hold" nodeType="withEffect">
+                                  <p:stCondLst>
+                                    <p:cond delay="0"/>
+                                  </p:stCondLst>
+                                  <p:childTnLst>
+                                    <p:set>
+                                      <p:cBhvr>
+                                        <p:cTn id="49" dur="1" fill="hold">
+                                          <p:stCondLst>
+                                            <p:cond delay="0"/>
+                                          </p:stCondLst>
+                                        </p:cTn>
+                                        <p:tgtEl>
+                                          <p:spTgt spid="8">
+                                            <p:txEl>
+                                              <p:pRg st="5" end="5"/>
+                                            </p:txEl>
+                                          </p:spTgt>
+                                        </p:tgtEl>
+                                        <p:attrNameLst>
+                                          <p:attrName>style.visibility</p:attrName>
+                                        </p:attrNameLst>
+                                      </p:cBhvr>
+                                      <p:to>
+                                        <p:strVal val="visible"/>
+                                      </p:to>
+                                    </p:set>
+                                    <p:animEffect transition="in" filter="fade">
+                                      <p:cBhvr>
+                                        <p:cTn id="50" dur="500"/>
+                                        <p:tgtEl>
+                                          <p:spTgt spid="8">
+                                            <p:txEl>
+                                              <p:pRg st="5" end="5"/>
+                                            </p:txEl>
+                                          </p:spTgt>
+                                        </p:tgtEl>
+                                      </p:cBhvr>
+                                    </p:animEffect>
+                                  </p:childTnLst>
+                                </p:cTn>
+                              </p:par>
+                            </p:childTnLst>
+                          </p:cTn>
+                        </p:par>
+                      </p:childTnLst>
+                    </p:cTn>
+                  </p:par>
+                  <p:par>
+                    <p:cTn id="51" fill="hold">
+                      <p:stCondLst>
+                        <p:cond delay="indefinite"/>
+                      </p:stCondLst>
+                      <p:childTnLst>
+                        <p:par>
+                          <p:cTn id="52" fill="hold">
+                            <p:stCondLst>
+                              <p:cond delay="0"/>
+                            </p:stCondLst>
+                            <p:childTnLst>
+                              <p:par>
+                                <p:cTn id="53" presetID="10" presetClass="entr" presetSubtype="0" fill="hold" nodeType="clickEffect">
+                                  <p:stCondLst>
+                                    <p:cond delay="0"/>
+                                  </p:stCondLst>
+                                  <p:childTnLst>
+                                    <p:set>
+                                      <p:cBhvr>
+                                        <p:cTn id="54" dur="1" fill="hold">
+                                          <p:stCondLst>
+                                            <p:cond delay="0"/>
+                                          </p:stCondLst>
+                                        </p:cTn>
+                                        <p:tgtEl>
+                                          <p:spTgt spid="6">
+                                            <p:txEl>
+                                              <p:pRg st="6" end="6"/>
+                                            </p:txEl>
+                                          </p:spTgt>
+                                        </p:tgtEl>
+                                        <p:attrNameLst>
+                                          <p:attrName>style.visibility</p:attrName>
+                                        </p:attrNameLst>
+                                      </p:cBhvr>
+                                      <p:to>
+                                        <p:strVal val="visible"/>
+                                      </p:to>
+                                    </p:set>
+                                    <p:animEffect transition="in" filter="fade">
+                                      <p:cBhvr>
+                                        <p:cTn id="55" dur="500"/>
+                                        <p:tgtEl>
+                                          <p:spTgt spid="6">
+                                            <p:txEl>
+                                              <p:pRg st="6" end="6"/>
+                                            </p:txEl>
+                                          </p:spTgt>
+                                        </p:tgtEl>
+                                      </p:cBhvr>
+                                    </p:animEffect>
+                                  </p:childTnLst>
+                                </p:cTn>
+                              </p:par>
+                              <p:par>
+                                <p:cTn id="56" presetID="10" presetClass="entr" presetSubtype="0" fill="hold" nodeType="withEffect">
+                                  <p:stCondLst>
+                                    <p:cond delay="0"/>
+                                  </p:stCondLst>
+                                  <p:childTnLst>
+                                    <p:set>
+                                      <p:cBhvr>
+                                        <p:cTn id="57" dur="1" fill="hold">
+                                          <p:stCondLst>
+                                            <p:cond delay="0"/>
+                                          </p:stCondLst>
+                                        </p:cTn>
+                                        <p:tgtEl>
+                                          <p:spTgt spid="8">
+                                            <p:txEl>
+                                              <p:pRg st="6" end="6"/>
+                                            </p:txEl>
+                                          </p:spTgt>
+                                        </p:tgtEl>
+                                        <p:attrNameLst>
+                                          <p:attrName>style.visibility</p:attrName>
+                                        </p:attrNameLst>
+                                      </p:cBhvr>
+                                      <p:to>
+                                        <p:strVal val="visible"/>
+                                      </p:to>
+                                    </p:set>
+                                    <p:animEffect transition="in" filter="fade">
+                                      <p:cBhvr>
+                                        <p:cTn id="58" dur="500"/>
+                                        <p:tgtEl>
+                                          <p:spTgt spid="8">
+                                            <p:txEl>
+                                              <p:pRg st="6" end="6"/>
+                                            </p:txEl>
+                                          </p:spTgt>
+                                        </p:tgtEl>
+                                      </p:cBhvr>
+                                    </p:animEffect>
+                                  </p:childTnLst>
+                                </p:cTn>
+                              </p:par>
+                            </p:childTnLst>
+                          </p:cTn>
+                        </p:par>
+                      </p:childTnLst>
+                    </p:cTn>
+                  </p:par>
+                </p:childTnLst>
+              </p:cTn>
+              <p:prevCondLst>
+                <p:cond evt="onPrev" delay="0">
+                  <p:tgtEl>
+                    <p:sldTgt/>
+                  </p:tgtEl>
+                </p:cond>
+              </p:prevCondLst>
+              <p:nextCondLst>
+                <p:cond evt="onNext" delay="0">
+                  <p:tgtEl>
+                    <p:sldTgt/>
+                  </p:tgtEl>
+                </p:cond>
+              </p:nextCondLst>
+            </p:seq>
+          </p:childTnLst>
+        </p:cTn>
+      </p:par>
+    </p:tnLst>
+  </p:timing>
 </p:sld>
 </file>
 
@@ -14070,18 +16358,18 @@
 </file>
 
 <file path=customXml/item1.xml><?xml version="1.0" encoding="utf-8"?>
-<p:properties xmlns:p="http://schemas.microsoft.com/office/2006/metadata/properties" xmlns:xsi="http://www.w3.org/2001/XMLSchema-instance">
-  <documentManagement/>
-</p:properties>
-</file>
-
-<file path=customXml/item2.xml><?xml version="1.0" encoding="utf-8"?>
 <?mso-contentType ?>
 <FormTemplates xmlns="http://schemas.microsoft.com/sharepoint/v3/contenttype/forms">
   <Display>DocumentLibraryForm</Display>
   <Edit>DocumentLibraryForm</Edit>
   <New>DocumentLibraryForm</New>
 </FormTemplates>
+</file>
+
+<file path=customXml/item2.xml><?xml version="1.0" encoding="utf-8"?>
+<p:properties xmlns:p="http://schemas.microsoft.com/office/2006/metadata/properties" xmlns:xsi="http://www.w3.org/2001/XMLSchema-instance">
+  <documentManagement/>
+</p:properties>
 </file>
 
 <file path=customXml/item3.xml><?xml version="1.0" encoding="utf-8"?>
@@ -14134,6 +16422,14 @@
 </file>
 
 <file path=customXml/itemProps1.xml><?xml version="1.0" encoding="utf-8"?>
+<ds:datastoreItem xmlns:ds="http://schemas.openxmlformats.org/officeDocument/2006/customXml" ds:itemID="{1685463B-57CE-4CE4-B1CF-FE44EB79BFA3}">
+  <ds:schemaRefs>
+    <ds:schemaRef ds:uri="http://schemas.microsoft.com/sharepoint/v3/contenttype/forms"/>
+  </ds:schemaRefs>
+</ds:datastoreItem>
+</file>
+
+<file path=customXml/itemProps2.xml><?xml version="1.0" encoding="utf-8"?>
 <ds:datastoreItem xmlns:ds="http://schemas.openxmlformats.org/officeDocument/2006/customXml" ds:itemID="{2D498799-B0FC-4B7A-8396-BFC34D805990}">
   <ds:schemaRefs>
     <ds:schemaRef ds:uri="http://purl.org/dc/elements/1.1/"/>
@@ -14143,14 +16439,6 @@
     <ds:schemaRef ds:uri="http://schemas.microsoft.com/office/2006/documentManagement/types"/>
     <ds:schemaRef ds:uri="http://www.w3.org/XML/1998/namespace"/>
     <ds:schemaRef ds:uri="http://purl.org/dc/dcmitype/"/>
-  </ds:schemaRefs>
-</ds:datastoreItem>
-</file>
-
-<file path=customXml/itemProps2.xml><?xml version="1.0" encoding="utf-8"?>
-<ds:datastoreItem xmlns:ds="http://schemas.openxmlformats.org/officeDocument/2006/customXml" ds:itemID="{1685463B-57CE-4CE4-B1CF-FE44EB79BFA3}">
-  <ds:schemaRefs>
-    <ds:schemaRef ds:uri="http://schemas.microsoft.com/sharepoint/v3/contenttype/forms"/>
   </ds:schemaRefs>
 </ds:datastoreItem>
 </file>

--- a/warner-itt-dsc.pptx
+++ b/warner-itt-dsc.pptx
@@ -4822,7 +4822,7 @@
     <mc:Choice Requires="p14">
       <p:transition p14:dur="0"/>
     </mc:Choice>
-    <mc:Fallback xmlns="" xmlns:mv="urn:schemas-microsoft-com:mac:vml">
+    <mc:Fallback xmlns:mv="urn:schemas-microsoft-com:mac:vml" xmlns="">
       <mp:transition xmlns:mp="http://schemas.microsoft.com/office/mac/powerpoint/2008/main"/>
     </mc:Fallback>
   </mc:AlternateContent>
@@ -11338,7 +11338,7 @@
                 <a:latin typeface="+mj-lt"/>
                 <a:cs typeface="Mangal" pitchFamily="18" charset="0"/>
               </a:rPr>
-              <a:t>Thank you!</a:t>
+              <a:t>Thank you so much!</a:t>
             </a:r>
           </a:p>
         </p:txBody>
@@ -16358,18 +16358,18 @@
 </file>
 
 <file path=customXml/item1.xml><?xml version="1.0" encoding="utf-8"?>
+<p:properties xmlns:p="http://schemas.microsoft.com/office/2006/metadata/properties" xmlns:xsi="http://www.w3.org/2001/XMLSchema-instance">
+  <documentManagement/>
+</p:properties>
+</file>
+
+<file path=customXml/item2.xml><?xml version="1.0" encoding="utf-8"?>
 <?mso-contentType ?>
 <FormTemplates xmlns="http://schemas.microsoft.com/sharepoint/v3/contenttype/forms">
   <Display>DocumentLibraryForm</Display>
   <Edit>DocumentLibraryForm</Edit>
   <New>DocumentLibraryForm</New>
 </FormTemplates>
-</file>
-
-<file path=customXml/item2.xml><?xml version="1.0" encoding="utf-8"?>
-<p:properties xmlns:p="http://schemas.microsoft.com/office/2006/metadata/properties" xmlns:xsi="http://www.w3.org/2001/XMLSchema-instance">
-  <documentManagement/>
-</p:properties>
 </file>
 
 <file path=customXml/item3.xml><?xml version="1.0" encoding="utf-8"?>
@@ -16422,14 +16422,6 @@
 </file>
 
 <file path=customXml/itemProps1.xml><?xml version="1.0" encoding="utf-8"?>
-<ds:datastoreItem xmlns:ds="http://schemas.openxmlformats.org/officeDocument/2006/customXml" ds:itemID="{1685463B-57CE-4CE4-B1CF-FE44EB79BFA3}">
-  <ds:schemaRefs>
-    <ds:schemaRef ds:uri="http://schemas.microsoft.com/sharepoint/v3/contenttype/forms"/>
-  </ds:schemaRefs>
-</ds:datastoreItem>
-</file>
-
-<file path=customXml/itemProps2.xml><?xml version="1.0" encoding="utf-8"?>
 <ds:datastoreItem xmlns:ds="http://schemas.openxmlformats.org/officeDocument/2006/customXml" ds:itemID="{2D498799-B0FC-4B7A-8396-BFC34D805990}">
   <ds:schemaRefs>
     <ds:schemaRef ds:uri="http://purl.org/dc/elements/1.1/"/>
@@ -16439,6 +16431,14 @@
     <ds:schemaRef ds:uri="http://schemas.microsoft.com/office/2006/documentManagement/types"/>
     <ds:schemaRef ds:uri="http://www.w3.org/XML/1998/namespace"/>
     <ds:schemaRef ds:uri="http://purl.org/dc/dcmitype/"/>
+  </ds:schemaRefs>
+</ds:datastoreItem>
+</file>
+
+<file path=customXml/itemProps2.xml><?xml version="1.0" encoding="utf-8"?>
+<ds:datastoreItem xmlns:ds="http://schemas.openxmlformats.org/officeDocument/2006/customXml" ds:itemID="{1685463B-57CE-4CE4-B1CF-FE44EB79BFA3}">
+  <ds:schemaRefs>
+    <ds:schemaRef ds:uri="http://schemas.microsoft.com/sharepoint/v3/contenttype/forms"/>
   </ds:schemaRefs>
 </ds:datastoreItem>
 </file>
